--- a/ProjektNotenverwaltung.pptx
+++ b/ProjektNotenverwaltung.pptx
@@ -5,10 +5,10 @@
     <p:sldMasterId id="2147483648" r:id="rId4"/>
   </p:sldMasterIdLst>
   <p:notesMasterIdLst>
-    <p:notesMasterId r:id="rId16"/>
+    <p:notesMasterId r:id="rId14"/>
   </p:notesMasterIdLst>
   <p:handoutMasterIdLst>
-    <p:handoutMasterId r:id="rId17"/>
+    <p:handoutMasterId r:id="rId15"/>
   </p:handoutMasterIdLst>
   <p:sldIdLst>
     <p:sldId id="256" r:id="rId5"/>
@@ -17,11 +17,9 @@
     <p:sldId id="281" r:id="rId8"/>
     <p:sldId id="286" r:id="rId9"/>
     <p:sldId id="287" r:id="rId10"/>
-    <p:sldId id="282" r:id="rId11"/>
-    <p:sldId id="283" r:id="rId12"/>
-    <p:sldId id="284" r:id="rId13"/>
-    <p:sldId id="285" r:id="rId14"/>
-    <p:sldId id="271" r:id="rId15"/>
+    <p:sldId id="288" r:id="rId11"/>
+    <p:sldId id="284" r:id="rId12"/>
+    <p:sldId id="271" r:id="rId13"/>
   </p:sldIdLst>
   <p:sldSz cx="12192000" cy="6858000"/>
   <p:notesSz cx="6858000" cy="9144000"/>
@@ -129,6 +127,205 @@
     </p:ext>
   </p:extLst>
 </p:presentation>
+</file>
+
+<file path=ppt/revisionInfo.xml><?xml version="1.0" encoding="utf-8"?>
+<p1510:revInfo xmlns:a="http://schemas.openxmlformats.org/drawingml/2006/main" xmlns:r="http://schemas.openxmlformats.org/officeDocument/2006/relationships" xmlns:p1510="http://schemas.microsoft.com/office/powerpoint/2015/10/main">
+  <p1510:revLst>
+    <p1510:client id="{1656D6F5-D52A-4B75-B4E2-3D4FAF20CE25}" v="1" dt="2024-12-17T16:48:32.856"/>
+  </p1510:revLst>
+</p1510:revInfo>
+</file>
+
+<file path=ppt/changesInfos/changesInfo1.xml><?xml version="1.0" encoding="utf-8"?>
+<pc:chgInfo xmlns:a="http://schemas.openxmlformats.org/drawingml/2006/main" xmlns:r="http://schemas.openxmlformats.org/officeDocument/2006/relationships" xmlns:ac="http://schemas.microsoft.com/office/drawing/2013/main/command" xmlns:pc="http://schemas.microsoft.com/office/powerpoint/2013/main/command">
+  <pc:docChgLst>
+    <pc:chgData name="Ahmet Zafer Karsag" userId="8f4c9bf2ec339bf5" providerId="LiveId" clId="{1656D6F5-D52A-4B75-B4E2-3D4FAF20CE25}"/>
+    <pc:docChg chg="undo custSel addSld delSld modSld">
+      <pc:chgData name="Ahmet Zafer Karsag" userId="8f4c9bf2ec339bf5" providerId="LiveId" clId="{1656D6F5-D52A-4B75-B4E2-3D4FAF20CE25}" dt="2024-12-17T16:53:51.636" v="164" actId="1076"/>
+      <pc:docMkLst>
+        <pc:docMk/>
+      </pc:docMkLst>
+      <pc:sldChg chg="addSp modSp mod">
+        <pc:chgData name="Ahmet Zafer Karsag" userId="8f4c9bf2ec339bf5" providerId="LiveId" clId="{1656D6F5-D52A-4B75-B4E2-3D4FAF20CE25}" dt="2024-12-17T16:53:51.636" v="164" actId="1076"/>
+        <pc:sldMkLst>
+          <pc:docMk/>
+          <pc:sldMk cId="1969787568" sldId="271"/>
+        </pc:sldMkLst>
+        <pc:spChg chg="mod">
+          <ac:chgData name="Ahmet Zafer Karsag" userId="8f4c9bf2ec339bf5" providerId="LiveId" clId="{1656D6F5-D52A-4B75-B4E2-3D4FAF20CE25}" dt="2024-12-17T16:53:51.636" v="164" actId="1076"/>
+          <ac:spMkLst>
+            <pc:docMk/>
+            <pc:sldMk cId="1969787568" sldId="271"/>
+            <ac:spMk id="3" creationId="{AF64C29E-DF30-4DC6-AB95-2016F9A703B6}"/>
+          </ac:spMkLst>
+        </pc:spChg>
+        <pc:spChg chg="add mod ord">
+          <ac:chgData name="Ahmet Zafer Karsag" userId="8f4c9bf2ec339bf5" providerId="LiveId" clId="{1656D6F5-D52A-4B75-B4E2-3D4FAF20CE25}" dt="2024-12-17T16:52:56.948" v="117" actId="34135"/>
+          <ac:spMkLst>
+            <pc:docMk/>
+            <pc:sldMk cId="1969787568" sldId="271"/>
+            <ac:spMk id="4" creationId="{0868F7FA-82F4-EA3B-DB4D-8FBA83BE9D65}"/>
+          </ac:spMkLst>
+        </pc:spChg>
+      </pc:sldChg>
+      <pc:sldChg chg="del">
+        <pc:chgData name="Ahmet Zafer Karsag" userId="8f4c9bf2ec339bf5" providerId="LiveId" clId="{1656D6F5-D52A-4B75-B4E2-3D4FAF20CE25}" dt="2024-12-17T16:48:18.043" v="39" actId="47"/>
+        <pc:sldMkLst>
+          <pc:docMk/>
+          <pc:sldMk cId="636929804" sldId="282"/>
+        </pc:sldMkLst>
+      </pc:sldChg>
+      <pc:sldChg chg="del">
+        <pc:chgData name="Ahmet Zafer Karsag" userId="8f4c9bf2ec339bf5" providerId="LiveId" clId="{1656D6F5-D52A-4B75-B4E2-3D4FAF20CE25}" dt="2024-12-17T16:48:16.026" v="38" actId="47"/>
+        <pc:sldMkLst>
+          <pc:docMk/>
+          <pc:sldMk cId="1658164610" sldId="283"/>
+        </pc:sldMkLst>
+      </pc:sldChg>
+      <pc:sldChg chg="addSp delSp modSp mod">
+        <pc:chgData name="Ahmet Zafer Karsag" userId="8f4c9bf2ec339bf5" providerId="LiveId" clId="{1656D6F5-D52A-4B75-B4E2-3D4FAF20CE25}" dt="2024-12-17T16:51:52.093" v="82" actId="1076"/>
+        <pc:sldMkLst>
+          <pc:docMk/>
+          <pc:sldMk cId="2403577982" sldId="284"/>
+        </pc:sldMkLst>
+        <pc:spChg chg="add mod ord">
+          <ac:chgData name="Ahmet Zafer Karsag" userId="8f4c9bf2ec339bf5" providerId="LiveId" clId="{1656D6F5-D52A-4B75-B4E2-3D4FAF20CE25}" dt="2024-12-17T16:49:08.775" v="48" actId="34135"/>
+          <ac:spMkLst>
+            <pc:docMk/>
+            <pc:sldMk cId="2403577982" sldId="284"/>
+            <ac:spMk id="2" creationId="{682DBC41-2E68-849A-AED4-03BC33C9344D}"/>
+          </ac:spMkLst>
+        </pc:spChg>
+        <pc:spChg chg="add del mod">
+          <ac:chgData name="Ahmet Zafer Karsag" userId="8f4c9bf2ec339bf5" providerId="LiveId" clId="{1656D6F5-D52A-4B75-B4E2-3D4FAF20CE25}" dt="2024-12-17T16:49:54.294" v="59" actId="478"/>
+          <ac:spMkLst>
+            <pc:docMk/>
+            <pc:sldMk cId="2403577982" sldId="284"/>
+            <ac:spMk id="4" creationId="{56595D00-1116-C7B1-B3ED-58553244915F}"/>
+          </ac:spMkLst>
+        </pc:spChg>
+        <pc:spChg chg="del">
+          <ac:chgData name="Ahmet Zafer Karsag" userId="8f4c9bf2ec339bf5" providerId="LiveId" clId="{1656D6F5-D52A-4B75-B4E2-3D4FAF20CE25}" dt="2024-12-17T16:49:52.354" v="58" actId="478"/>
+          <ac:spMkLst>
+            <pc:docMk/>
+            <pc:sldMk cId="2403577982" sldId="284"/>
+            <ac:spMk id="6" creationId="{D2E1CF79-4FDC-8CAF-CC16-E309A2C49758}"/>
+          </ac:spMkLst>
+        </pc:spChg>
+        <pc:spChg chg="add del mod">
+          <ac:chgData name="Ahmet Zafer Karsag" userId="8f4c9bf2ec339bf5" providerId="LiveId" clId="{1656D6F5-D52A-4B75-B4E2-3D4FAF20CE25}" dt="2024-12-17T16:50:40.728" v="72" actId="478"/>
+          <ac:spMkLst>
+            <pc:docMk/>
+            <pc:sldMk cId="2403577982" sldId="284"/>
+            <ac:spMk id="7" creationId="{3E6CAB10-B6AC-5E3F-7009-595F1BD46FD3}"/>
+          </ac:spMkLst>
+        </pc:spChg>
+        <pc:spChg chg="mod">
+          <ac:chgData name="Ahmet Zafer Karsag" userId="8f4c9bf2ec339bf5" providerId="LiveId" clId="{1656D6F5-D52A-4B75-B4E2-3D4FAF20CE25}" dt="2024-12-17T16:49:49.762" v="57" actId="1076"/>
+          <ac:spMkLst>
+            <pc:docMk/>
+            <pc:sldMk cId="2403577982" sldId="284"/>
+            <ac:spMk id="17" creationId="{09140014-73D5-419B-8867-972BB18D52D4}"/>
+          </ac:spMkLst>
+        </pc:spChg>
+        <pc:spChg chg="mod">
+          <ac:chgData name="Ahmet Zafer Karsag" userId="8f4c9bf2ec339bf5" providerId="LiveId" clId="{1656D6F5-D52A-4B75-B4E2-3D4FAF20CE25}" dt="2024-12-17T16:51:52.093" v="82" actId="1076"/>
+          <ac:spMkLst>
+            <pc:docMk/>
+            <pc:sldMk cId="2403577982" sldId="284"/>
+            <ac:spMk id="20" creationId="{33D8731E-4977-402E-8BFD-895B4D0544CC}"/>
+          </ac:spMkLst>
+        </pc:spChg>
+        <pc:spChg chg="del">
+          <ac:chgData name="Ahmet Zafer Karsag" userId="8f4c9bf2ec339bf5" providerId="LiveId" clId="{1656D6F5-D52A-4B75-B4E2-3D4FAF20CE25}" dt="2024-12-17T16:50:37.849" v="71" actId="478"/>
+          <ac:spMkLst>
+            <pc:docMk/>
+            <pc:sldMk cId="2403577982" sldId="284"/>
+            <ac:spMk id="34" creationId="{AE07A905-8B37-D13F-25D3-1D3BCDB86B0B}"/>
+          </ac:spMkLst>
+        </pc:spChg>
+        <pc:spChg chg="mod">
+          <ac:chgData name="Ahmet Zafer Karsag" userId="8f4c9bf2ec339bf5" providerId="LiveId" clId="{1656D6F5-D52A-4B75-B4E2-3D4FAF20CE25}" dt="2024-12-17T16:51:47.068" v="81" actId="1076"/>
+          <ac:spMkLst>
+            <pc:docMk/>
+            <pc:sldMk cId="2403577982" sldId="284"/>
+            <ac:spMk id="35" creationId="{4E9A764F-6B65-050E-E561-82F77339D164}"/>
+          </ac:spMkLst>
+        </pc:spChg>
+      </pc:sldChg>
+      <pc:sldChg chg="del">
+        <pc:chgData name="Ahmet Zafer Karsag" userId="8f4c9bf2ec339bf5" providerId="LiveId" clId="{1656D6F5-D52A-4B75-B4E2-3D4FAF20CE25}" dt="2024-12-17T16:52:02.323" v="83" actId="47"/>
+        <pc:sldMkLst>
+          <pc:docMk/>
+          <pc:sldMk cId="2791821786" sldId="285"/>
+        </pc:sldMkLst>
+      </pc:sldChg>
+      <pc:sldChg chg="addSp delSp modSp mod">
+        <pc:chgData name="Ahmet Zafer Karsag" userId="8f4c9bf2ec339bf5" providerId="LiveId" clId="{1656D6F5-D52A-4B75-B4E2-3D4FAF20CE25}" dt="2024-12-17T16:36:47.566" v="3" actId="14100"/>
+        <pc:sldMkLst>
+          <pc:docMk/>
+          <pc:sldMk cId="2588132591" sldId="287"/>
+        </pc:sldMkLst>
+        <pc:picChg chg="add mod">
+          <ac:chgData name="Ahmet Zafer Karsag" userId="8f4c9bf2ec339bf5" providerId="LiveId" clId="{1656D6F5-D52A-4B75-B4E2-3D4FAF20CE25}" dt="2024-12-17T16:36:47.566" v="3" actId="14100"/>
+          <ac:picMkLst>
+            <pc:docMk/>
+            <pc:sldMk cId="2588132591" sldId="287"/>
+            <ac:picMk id="5" creationId="{CC33080F-C658-323C-DD5E-0AAFA3D908D9}"/>
+          </ac:picMkLst>
+        </pc:picChg>
+        <pc:picChg chg="del">
+          <ac:chgData name="Ahmet Zafer Karsag" userId="8f4c9bf2ec339bf5" providerId="LiveId" clId="{1656D6F5-D52A-4B75-B4E2-3D4FAF20CE25}" dt="2024-12-17T16:36:39.174" v="1" actId="478"/>
+          <ac:picMkLst>
+            <pc:docMk/>
+            <pc:sldMk cId="2588132591" sldId="287"/>
+            <ac:picMk id="9" creationId="{8C562C3D-4861-4D53-72A4-CB832A752549}"/>
+          </ac:picMkLst>
+        </pc:picChg>
+      </pc:sldChg>
+      <pc:sldChg chg="addSp delSp modSp add mod">
+        <pc:chgData name="Ahmet Zafer Karsag" userId="8f4c9bf2ec339bf5" providerId="LiveId" clId="{1656D6F5-D52A-4B75-B4E2-3D4FAF20CE25}" dt="2024-12-17T16:48:31.630" v="41" actId="34135"/>
+        <pc:sldMkLst>
+          <pc:docMk/>
+          <pc:sldMk cId="3751587117" sldId="288"/>
+        </pc:sldMkLst>
+        <pc:spChg chg="mod">
+          <ac:chgData name="Ahmet Zafer Karsag" userId="8f4c9bf2ec339bf5" providerId="LiveId" clId="{1656D6F5-D52A-4B75-B4E2-3D4FAF20CE25}" dt="2024-12-17T16:48:31.630" v="41" actId="34135"/>
+          <ac:spMkLst>
+            <pc:docMk/>
+            <pc:sldMk cId="3751587117" sldId="288"/>
+            <ac:spMk id="4" creationId="{8959C324-18F9-34FA-1A66-D51DE007AEF6}"/>
+          </ac:spMkLst>
+        </pc:spChg>
+        <pc:spChg chg="mod">
+          <ac:chgData name="Ahmet Zafer Karsag" userId="8f4c9bf2ec339bf5" providerId="LiveId" clId="{1656D6F5-D52A-4B75-B4E2-3D4FAF20CE25}" dt="2024-12-17T16:47:37.244" v="34" actId="1076"/>
+          <ac:spMkLst>
+            <pc:docMk/>
+            <pc:sldMk cId="3751587117" sldId="288"/>
+            <ac:spMk id="35" creationId="{AEEF9007-9E1B-2554-F3A8-E08A33826048}"/>
+          </ac:spMkLst>
+        </pc:spChg>
+        <pc:picChg chg="del">
+          <ac:chgData name="Ahmet Zafer Karsag" userId="8f4c9bf2ec339bf5" providerId="LiveId" clId="{1656D6F5-D52A-4B75-B4E2-3D4FAF20CE25}" dt="2024-12-17T16:47:22.369" v="30" actId="478"/>
+          <ac:picMkLst>
+            <pc:docMk/>
+            <pc:sldMk cId="3751587117" sldId="288"/>
+            <ac:picMk id="5" creationId="{50CA0BC3-4EBF-A667-31D0-EC29A040DE6D}"/>
+          </ac:picMkLst>
+        </pc:picChg>
+        <pc:picChg chg="add mod">
+          <ac:chgData name="Ahmet Zafer Karsag" userId="8f4c9bf2ec339bf5" providerId="LiveId" clId="{1656D6F5-D52A-4B75-B4E2-3D4FAF20CE25}" dt="2024-12-17T16:47:50.499" v="37" actId="1076"/>
+          <ac:picMkLst>
+            <pc:docMk/>
+            <pc:sldMk cId="3751587117" sldId="288"/>
+            <ac:picMk id="6" creationId="{C170B63B-88F1-AD82-DA1E-E27A302D20C7}"/>
+          </ac:picMkLst>
+        </pc:picChg>
+      </pc:sldChg>
+    </pc:docChg>
+  </pc:docChgLst>
+</pc:chgInfo>
 </file>
 
 <file path=ppt/handoutMasters/handoutMaster1.xml><?xml version="1.0" encoding="utf-8"?>
@@ -782,194 +979,6 @@
 </p:notes>
 </file>
 
-<file path=ppt/notesSlides/notesSlide10.xml><?xml version="1.0" encoding="utf-8"?>
-<p:notes xmlns:a="http://schemas.openxmlformats.org/drawingml/2006/main" xmlns:r="http://schemas.openxmlformats.org/officeDocument/2006/relationships" xmlns:p="http://schemas.openxmlformats.org/presentationml/2006/main">
-  <p:cSld>
-    <p:spTree>
-      <p:nvGrpSpPr>
-        <p:cNvPr id="1" name=""/>
-        <p:cNvGrpSpPr/>
-        <p:nvPr/>
-      </p:nvGrpSpPr>
-      <p:grpSpPr>
-        <a:xfrm>
-          <a:off x="0" y="0"/>
-          <a:ext cx="0" cy="0"/>
-          <a:chOff x="0" y="0"/>
-          <a:chExt cx="0" cy="0"/>
-        </a:xfrm>
-      </p:grpSpPr>
-      <p:sp>
-        <p:nvSpPr>
-          <p:cNvPr id="2" name="Folienbildplatzhalter 1"/>
-          <p:cNvSpPr>
-            <a:spLocks noGrp="1" noRot="1" noChangeAspect="1"/>
-          </p:cNvSpPr>
-          <p:nvPr>
-            <p:ph type="sldImg"/>
-          </p:nvPr>
-        </p:nvSpPr>
-        <p:spPr/>
-      </p:sp>
-      <p:sp>
-        <p:nvSpPr>
-          <p:cNvPr id="3" name="Notizenplatzhalter 2"/>
-          <p:cNvSpPr>
-            <a:spLocks noGrp="1"/>
-          </p:cNvSpPr>
-          <p:nvPr>
-            <p:ph type="body" idx="1"/>
-          </p:nvPr>
-        </p:nvSpPr>
-        <p:spPr/>
-        <p:txBody>
-          <a:bodyPr rtlCol="0"/>
-          <a:lstStyle>
-            <a:defPPr>
-              <a:defRPr lang="de-DE"/>
-            </a:defPPr>
-          </a:lstStyle>
-          <a:p>
-            <a:pPr rtl="0"/>
-            <a:endParaRPr lang="de-DE" dirty="0"/>
-          </a:p>
-        </p:txBody>
-      </p:sp>
-      <p:sp>
-        <p:nvSpPr>
-          <p:cNvPr id="4" name="Foliennummernplatzhalter 3"/>
-          <p:cNvSpPr>
-            <a:spLocks noGrp="1"/>
-          </p:cNvSpPr>
-          <p:nvPr>
-            <p:ph type="sldNum" sz="quarter" idx="5"/>
-          </p:nvPr>
-        </p:nvSpPr>
-        <p:spPr/>
-        <p:txBody>
-          <a:bodyPr rtlCol="0"/>
-          <a:lstStyle>
-            <a:defPPr>
-              <a:defRPr lang="de-DE"/>
-            </a:defPPr>
-          </a:lstStyle>
-          <a:p>
-            <a:pPr rtl="0"/>
-            <a:fld id="{22289C57-55D7-40A4-A101-E74FAC7A092B}" type="slidenum">
-              <a:rPr lang="de-DE" smtClean="0"/>
-              <a:t>10</a:t>
-            </a:fld>
-            <a:endParaRPr lang="de-DE" dirty="0"/>
-          </a:p>
-        </p:txBody>
-      </p:sp>
-    </p:spTree>
-    <p:extLst>
-      <p:ext uri="{BB962C8B-B14F-4D97-AF65-F5344CB8AC3E}">
-        <p14:creationId xmlns:p14="http://schemas.microsoft.com/office/powerpoint/2010/main" val="537756"/>
-      </p:ext>
-    </p:extLst>
-  </p:cSld>
-  <p:clrMapOvr>
-    <a:masterClrMapping/>
-  </p:clrMapOvr>
-</p:notes>
-</file>
-
-<file path=ppt/notesSlides/notesSlide11.xml><?xml version="1.0" encoding="utf-8"?>
-<p:notes xmlns:a="http://schemas.openxmlformats.org/drawingml/2006/main" xmlns:r="http://schemas.openxmlformats.org/officeDocument/2006/relationships" xmlns:p="http://schemas.openxmlformats.org/presentationml/2006/main">
-  <p:cSld>
-    <p:spTree>
-      <p:nvGrpSpPr>
-        <p:cNvPr id="1" name=""/>
-        <p:cNvGrpSpPr/>
-        <p:nvPr/>
-      </p:nvGrpSpPr>
-      <p:grpSpPr>
-        <a:xfrm>
-          <a:off x="0" y="0"/>
-          <a:ext cx="0" cy="0"/>
-          <a:chOff x="0" y="0"/>
-          <a:chExt cx="0" cy="0"/>
-        </a:xfrm>
-      </p:grpSpPr>
-      <p:sp>
-        <p:nvSpPr>
-          <p:cNvPr id="2" name="Folienbildplatzhalter 1"/>
-          <p:cNvSpPr>
-            <a:spLocks noGrp="1" noRot="1" noChangeAspect="1"/>
-          </p:cNvSpPr>
-          <p:nvPr>
-            <p:ph type="sldImg"/>
-          </p:nvPr>
-        </p:nvSpPr>
-        <p:spPr/>
-      </p:sp>
-      <p:sp>
-        <p:nvSpPr>
-          <p:cNvPr id="3" name="Notizenplatzhalter 2"/>
-          <p:cNvSpPr>
-            <a:spLocks noGrp="1"/>
-          </p:cNvSpPr>
-          <p:nvPr>
-            <p:ph type="body" idx="1"/>
-          </p:nvPr>
-        </p:nvSpPr>
-        <p:spPr/>
-        <p:txBody>
-          <a:bodyPr rtlCol="0"/>
-          <a:lstStyle>
-            <a:defPPr>
-              <a:defRPr lang="de-DE"/>
-            </a:defPPr>
-          </a:lstStyle>
-          <a:p>
-            <a:pPr rtl="0"/>
-            <a:endParaRPr lang="de-DE" dirty="0"/>
-          </a:p>
-        </p:txBody>
-      </p:sp>
-      <p:sp>
-        <p:nvSpPr>
-          <p:cNvPr id="4" name="Foliennummernplatzhalter 3"/>
-          <p:cNvSpPr>
-            <a:spLocks noGrp="1"/>
-          </p:cNvSpPr>
-          <p:nvPr>
-            <p:ph type="sldNum" sz="quarter" idx="5"/>
-          </p:nvPr>
-        </p:nvSpPr>
-        <p:spPr/>
-        <p:txBody>
-          <a:bodyPr rtlCol="0"/>
-          <a:lstStyle>
-            <a:defPPr>
-              <a:defRPr lang="de-DE"/>
-            </a:defPPr>
-          </a:lstStyle>
-          <a:p>
-            <a:pPr rtl="0"/>
-            <a:fld id="{22289C57-55D7-40A4-A101-E74FAC7A092B}" type="slidenum">
-              <a:rPr lang="de-DE" smtClean="0"/>
-              <a:t>11</a:t>
-            </a:fld>
-            <a:endParaRPr lang="de-DE" dirty="0"/>
-          </a:p>
-        </p:txBody>
-      </p:sp>
-    </p:spTree>
-    <p:extLst>
-      <p:ext uri="{BB962C8B-B14F-4D97-AF65-F5344CB8AC3E}">
-        <p14:creationId xmlns:p14="http://schemas.microsoft.com/office/powerpoint/2010/main" val="702683811"/>
-      </p:ext>
-    </p:extLst>
-  </p:cSld>
-  <p:clrMapOvr>
-    <a:masterClrMapping/>
-  </p:clrMapOvr>
-</p:notes>
-</file>
-
 <file path=ppt/notesSlides/notesSlide2.xml><?xml version="1.0" encoding="utf-8"?>
 <p:notes xmlns:a="http://schemas.openxmlformats.org/drawingml/2006/main" xmlns:r="http://schemas.openxmlformats.org/officeDocument/2006/relationships" xmlns:p="http://schemas.openxmlformats.org/presentationml/2006/main">
   <p:cSld>
@@ -1493,7 +1502,13 @@
   <p:cSld>
     <p:spTree>
       <p:nvGrpSpPr>
-        <p:cNvPr id="1" name=""/>
+        <p:cNvPr id="1" name="">
+          <a:extLst>
+            <a:ext uri="{FF2B5EF4-FFF2-40B4-BE49-F238E27FC236}">
+              <a16:creationId xmlns:a16="http://schemas.microsoft.com/office/drawing/2014/main" id="{EA69E11F-8ED3-55F6-4472-2EECA727BA98}"/>
+            </a:ext>
+          </a:extLst>
+        </p:cNvPr>
         <p:cNvGrpSpPr/>
         <p:nvPr/>
       </p:nvGrpSpPr>
@@ -1507,7 +1522,13 @@
       </p:grpSpPr>
       <p:sp>
         <p:nvSpPr>
-          <p:cNvPr id="2" name="Folienbildplatzhalter 1"/>
+          <p:cNvPr id="2" name="Folienbildplatzhalter 1">
+            <a:extLst>
+              <a:ext uri="{FF2B5EF4-FFF2-40B4-BE49-F238E27FC236}">
+                <a16:creationId xmlns:a16="http://schemas.microsoft.com/office/drawing/2014/main" id="{F40EDAB5-4143-28BC-0E80-7D7EFACA2CE9}"/>
+              </a:ext>
+            </a:extLst>
+          </p:cNvPr>
           <p:cNvSpPr>
             <a:spLocks noGrp="1" noRot="1" noChangeAspect="1"/>
           </p:cNvSpPr>
@@ -1519,7 +1540,13 @@
       </p:sp>
       <p:sp>
         <p:nvSpPr>
-          <p:cNvPr id="3" name="Notizenplatzhalter 2"/>
+          <p:cNvPr id="3" name="Notizenplatzhalter 2">
+            <a:extLst>
+              <a:ext uri="{FF2B5EF4-FFF2-40B4-BE49-F238E27FC236}">
+                <a16:creationId xmlns:a16="http://schemas.microsoft.com/office/drawing/2014/main" id="{9066BAD9-6C0E-51D4-628F-2887EF5787B5}"/>
+              </a:ext>
+            </a:extLst>
+          </p:cNvPr>
           <p:cNvSpPr>
             <a:spLocks noGrp="1"/>
           </p:cNvSpPr>
@@ -1543,7 +1570,13 @@
       </p:sp>
       <p:sp>
         <p:nvSpPr>
-          <p:cNvPr id="4" name="Foliennummernplatzhalter 3"/>
+          <p:cNvPr id="4" name="Foliennummernplatzhalter 3">
+            <a:extLst>
+              <a:ext uri="{FF2B5EF4-FFF2-40B4-BE49-F238E27FC236}">
+                <a16:creationId xmlns:a16="http://schemas.microsoft.com/office/drawing/2014/main" id="{99341E7F-3394-8D1E-4FF1-F5169A548FD6}"/>
+              </a:ext>
+            </a:extLst>
+          </p:cNvPr>
           <p:cNvSpPr>
             <a:spLocks noGrp="1"/>
           </p:cNvSpPr>
@@ -1572,7 +1605,7 @@
     </p:spTree>
     <p:extLst>
       <p:ext uri="{BB962C8B-B14F-4D97-AF65-F5344CB8AC3E}">
-        <p14:creationId xmlns:p14="http://schemas.microsoft.com/office/powerpoint/2010/main" val="236659336"/>
+        <p14:creationId xmlns:p14="http://schemas.microsoft.com/office/powerpoint/2010/main" val="2833396920"/>
       </p:ext>
     </p:extLst>
   </p:cSld>
@@ -1666,7 +1699,7 @@
     </p:spTree>
     <p:extLst>
       <p:ext uri="{BB962C8B-B14F-4D97-AF65-F5344CB8AC3E}">
-        <p14:creationId xmlns:p14="http://schemas.microsoft.com/office/powerpoint/2010/main" val="840986708"/>
+        <p14:creationId xmlns:p14="http://schemas.microsoft.com/office/powerpoint/2010/main" val="575465472"/>
       </p:ext>
     </p:extLst>
   </p:cSld>
@@ -1760,7 +1793,7 @@
     </p:spTree>
     <p:extLst>
       <p:ext uri="{BB962C8B-B14F-4D97-AF65-F5344CB8AC3E}">
-        <p14:creationId xmlns:p14="http://schemas.microsoft.com/office/powerpoint/2010/main" val="575465472"/>
+        <p14:creationId xmlns:p14="http://schemas.microsoft.com/office/powerpoint/2010/main" val="702683811"/>
       </p:ext>
     </p:extLst>
   </p:cSld>
@@ -7338,822 +7371,6 @@
 </p:sld>
 </file>
 
-<file path=ppt/slides/slide10.xml><?xml version="1.0" encoding="utf-8"?>
-<p:sld xmlns:a="http://schemas.openxmlformats.org/drawingml/2006/main" xmlns:r="http://schemas.openxmlformats.org/officeDocument/2006/relationships" xmlns:p="http://schemas.openxmlformats.org/presentationml/2006/main">
-  <p:cSld>
-    <p:spTree>
-      <p:nvGrpSpPr>
-        <p:cNvPr id="1" name=""/>
-        <p:cNvGrpSpPr/>
-        <p:nvPr/>
-      </p:nvGrpSpPr>
-      <p:grpSpPr>
-        <a:xfrm>
-          <a:off x="0" y="0"/>
-          <a:ext cx="0" cy="0"/>
-          <a:chOff x="0" y="0"/>
-          <a:chExt cx="0" cy="0"/>
-        </a:xfrm>
-      </p:grpSpPr>
-      <p:sp>
-        <p:nvSpPr>
-          <p:cNvPr id="8" name="Titel 2">
-            <a:extLst>
-              <a:ext uri="{FF2B5EF4-FFF2-40B4-BE49-F238E27FC236}">
-                <a16:creationId xmlns:a16="http://schemas.microsoft.com/office/drawing/2014/main" id="{3E5FEE2D-79E5-4C1D-8BF7-EE619CA7039A}"/>
-              </a:ext>
-            </a:extLst>
-          </p:cNvPr>
-          <p:cNvSpPr>
-            <a:spLocks noGrp="1"/>
-          </p:cNvSpPr>
-          <p:nvPr>
-            <p:ph type="title"/>
-          </p:nvPr>
-        </p:nvSpPr>
-        <p:spPr>
-          <a:xfrm>
-            <a:off x="838200" y="353550"/>
-            <a:ext cx="10515600" cy="1325563"/>
-          </a:xfrm>
-        </p:spPr>
-        <p:txBody>
-          <a:bodyPr rtlCol="0" anchor="b"/>
-          <a:lstStyle>
-            <a:defPPr>
-              <a:defRPr lang="de-DE"/>
-            </a:defPPr>
-          </a:lstStyle>
-          <a:p>
-            <a:pPr rtl="0"/>
-            <a:r>
-              <a:rPr lang="de-DE" dirty="0"/>
-              <a:t>Metriken zum Einsatz von Referenten</a:t>
-            </a:r>
-          </a:p>
-        </p:txBody>
-      </p:sp>
-      <p:graphicFrame>
-        <p:nvGraphicFramePr>
-          <p:cNvPr id="13" name="Tabellenplatzhalter 2">
-            <a:extLst>
-              <a:ext uri="{FF2B5EF4-FFF2-40B4-BE49-F238E27FC236}">
-                <a16:creationId xmlns:a16="http://schemas.microsoft.com/office/drawing/2014/main" id="{4A94C7BE-6E60-66F0-EFD4-2F452B0D743A}"/>
-              </a:ext>
-            </a:extLst>
-          </p:cNvPr>
-          <p:cNvGraphicFramePr>
-            <a:graphicFrameLocks noGrp="1"/>
-          </p:cNvGraphicFramePr>
-          <p:nvPr>
-            <p:ph type="tbl" sz="quarter" idx="14"/>
-            <p:extLst>
-              <p:ext uri="{D42A27DB-BD31-4B8C-83A1-F6EECF244321}">
-                <p14:modId xmlns:p14="http://schemas.microsoft.com/office/powerpoint/2010/main" val="308537024"/>
-              </p:ext>
-            </p:extLst>
-          </p:nvPr>
-        </p:nvGraphicFramePr>
-        <p:xfrm>
-          <a:off x="838200" y="2111375"/>
-          <a:ext cx="10515601" cy="3679205"/>
-        </p:xfrm>
-        <a:graphic>
-          <a:graphicData uri="http://schemas.openxmlformats.org/drawingml/2006/table">
-            <a:tbl>
-              <a:tblPr firstRow="1" bandRow="1">
-                <a:tableStyleId>{7E9639D4-E3E2-4D34-9284-5A2195B3D0D7}</a:tableStyleId>
-              </a:tblPr>
-              <a:tblGrid>
-                <a:gridCol w="3537857">
-                  <a:extLst>
-                    <a:ext uri="{9D8B030D-6E8A-4147-A177-3AD203B41FA5}">
-                      <a16:colId xmlns:a16="http://schemas.microsoft.com/office/drawing/2014/main" val="127040821"/>
-                    </a:ext>
-                  </a:extLst>
-                </a:gridCol>
-                <a:gridCol w="2347033">
-                  <a:extLst>
-                    <a:ext uri="{9D8B030D-6E8A-4147-A177-3AD203B41FA5}">
-                      <a16:colId xmlns:a16="http://schemas.microsoft.com/office/drawing/2014/main" val="149845700"/>
-                    </a:ext>
-                  </a:extLst>
-                </a:gridCol>
-                <a:gridCol w="2375942">
-                  <a:extLst>
-                    <a:ext uri="{9D8B030D-6E8A-4147-A177-3AD203B41FA5}">
-                      <a16:colId xmlns:a16="http://schemas.microsoft.com/office/drawing/2014/main" val="3119692462"/>
-                    </a:ext>
-                  </a:extLst>
-                </a:gridCol>
-                <a:gridCol w="2254769">
-                  <a:extLst>
-                    <a:ext uri="{9D8B030D-6E8A-4147-A177-3AD203B41FA5}">
-                      <a16:colId xmlns:a16="http://schemas.microsoft.com/office/drawing/2014/main" val="3472639139"/>
-                    </a:ext>
-                  </a:extLst>
-                </a:gridCol>
-              </a:tblGrid>
-              <a:tr h="733347">
-                <a:tc>
-                  <a:txBody>
-                    <a:bodyPr/>
-                    <a:lstStyle>
-                      <a:defPPr>
-                        <a:defRPr lang="de-DE"/>
-                      </a:defPPr>
-                    </a:lstStyle>
-                    <a:p>
-                      <a:pPr algn="ctr" rtl="0"/>
-                      <a:r>
-                        <a:rPr lang="de-DE" b="0" noProof="0" dirty="0"/>
-                        <a:t>EINFLUSSFAKTOR</a:t>
-                      </a:r>
-                    </a:p>
-                  </a:txBody>
-                  <a:tcPr anchor="ctr"/>
-                </a:tc>
-                <a:tc>
-                  <a:txBody>
-                    <a:bodyPr/>
-                    <a:lstStyle>
-                      <a:defPPr>
-                        <a:defRPr lang="de-DE"/>
-                      </a:defPPr>
-                    </a:lstStyle>
-                    <a:p>
-                      <a:pPr algn="ctr" rtl="0"/>
-                      <a:r>
-                        <a:rPr lang="de-DE" b="0" noProof="0" dirty="0"/>
-                        <a:t>MESSUNG</a:t>
-                      </a:r>
-                    </a:p>
-                  </a:txBody>
-                  <a:tcPr anchor="ctr"/>
-                </a:tc>
-                <a:tc>
-                  <a:txBody>
-                    <a:bodyPr/>
-                    <a:lstStyle>
-                      <a:defPPr>
-                        <a:defRPr lang="de-DE"/>
-                      </a:defPPr>
-                    </a:lstStyle>
-                    <a:p>
-                      <a:pPr algn="ctr" rtl="0"/>
-                      <a:r>
-                        <a:rPr lang="de-DE" b="0" noProof="0" dirty="0"/>
-                        <a:t>ZIEL</a:t>
-                      </a:r>
-                    </a:p>
-                  </a:txBody>
-                  <a:tcPr anchor="ctr"/>
-                </a:tc>
-                <a:tc>
-                  <a:txBody>
-                    <a:bodyPr/>
-                    <a:lstStyle>
-                      <a:defPPr>
-                        <a:defRPr lang="de-DE"/>
-                      </a:defPPr>
-                    </a:lstStyle>
-                    <a:p>
-                      <a:pPr algn="ctr" rtl="0"/>
-                      <a:r>
-                        <a:rPr lang="de-DE" b="0" noProof="0" dirty="0"/>
-                        <a:t>ERREICHT</a:t>
-                      </a:r>
-                    </a:p>
-                  </a:txBody>
-                  <a:tcPr anchor="ctr"/>
-                </a:tc>
-                <a:extLst>
-                  <a:ext uri="{0D108BD9-81ED-4DB2-BD59-A6C34878D82A}">
-                    <a16:rowId xmlns:a16="http://schemas.microsoft.com/office/drawing/2014/main" val="3298013591"/>
-                  </a:ext>
-                </a:extLst>
-              </a:tr>
-              <a:tr h="531843">
-                <a:tc>
-                  <a:txBody>
-                    <a:bodyPr/>
-                    <a:lstStyle>
-                      <a:defPPr>
-                        <a:defRPr lang="de-DE"/>
-                      </a:defPPr>
-                    </a:lstStyle>
-                    <a:p>
-                      <a:pPr algn="ctr" rtl="0"/>
-                      <a:r>
-                        <a:rPr lang="de-DE" noProof="0" dirty="0"/>
-                        <a:t>Publikumsinteraktion</a:t>
-                      </a:r>
-                    </a:p>
-                  </a:txBody>
-                  <a:tcPr anchor="ctr"/>
-                </a:tc>
-                <a:tc>
-                  <a:txBody>
-                    <a:bodyPr/>
-                    <a:lstStyle>
-                      <a:defPPr>
-                        <a:defRPr lang="de-DE"/>
-                      </a:defPPr>
-                    </a:lstStyle>
-                    <a:p>
-                      <a:pPr algn="ctr" rtl="0"/>
-                      <a:r>
-                        <a:rPr lang="de-DE" noProof="0" dirty="0"/>
-                        <a:t>Prozentsatz (%)</a:t>
-                      </a:r>
-                    </a:p>
-                  </a:txBody>
-                  <a:tcPr anchor="ctr"/>
-                </a:tc>
-                <a:tc>
-                  <a:txBody>
-                    <a:bodyPr/>
-                    <a:lstStyle>
-                      <a:defPPr>
-                        <a:defRPr lang="de-DE"/>
-                      </a:defPPr>
-                    </a:lstStyle>
-                    <a:p>
-                      <a:pPr algn="ctr" rtl="0"/>
-                      <a:r>
-                        <a:rPr lang="de-DE" noProof="0" dirty="0"/>
-                        <a:t>85</a:t>
-                      </a:r>
-                    </a:p>
-                  </a:txBody>
-                  <a:tcPr anchor="ctr"/>
-                </a:tc>
-                <a:tc>
-                  <a:txBody>
-                    <a:bodyPr/>
-                    <a:lstStyle>
-                      <a:defPPr>
-                        <a:defRPr lang="de-DE"/>
-                      </a:defPPr>
-                    </a:lstStyle>
-                    <a:p>
-                      <a:pPr algn="ctr" rtl="0"/>
-                      <a:r>
-                        <a:rPr lang="de-DE" noProof="0" dirty="0"/>
-                        <a:t>88</a:t>
-                      </a:r>
-                    </a:p>
-                  </a:txBody>
-                  <a:tcPr anchor="ctr"/>
-                </a:tc>
-                <a:extLst>
-                  <a:ext uri="{0D108BD9-81ED-4DB2-BD59-A6C34878D82A}">
-                    <a16:rowId xmlns:a16="http://schemas.microsoft.com/office/drawing/2014/main" val="3873867931"/>
-                  </a:ext>
-                </a:extLst>
-              </a:tr>
-              <a:tr h="531843">
-                <a:tc>
-                  <a:txBody>
-                    <a:bodyPr/>
-                    <a:lstStyle>
-                      <a:defPPr>
-                        <a:defRPr lang="de-DE"/>
-                      </a:defPPr>
-                    </a:lstStyle>
-                    <a:p>
-                      <a:pPr algn="ctr" rtl="0"/>
-                      <a:r>
-                        <a:rPr lang="de-DE" noProof="0" dirty="0"/>
-                        <a:t>Wissen bewahren</a:t>
-                      </a:r>
-                    </a:p>
-                  </a:txBody>
-                  <a:tcPr anchor="ctr"/>
-                </a:tc>
-                <a:tc>
-                  <a:txBody>
-                    <a:bodyPr/>
-                    <a:lstStyle>
-                      <a:defPPr>
-                        <a:defRPr lang="de-DE"/>
-                      </a:defPPr>
-                    </a:lstStyle>
-                    <a:p>
-                      <a:pPr algn="ctr" rtl="0"/>
-                      <a:r>
-                        <a:rPr lang="de-DE" noProof="0" dirty="0"/>
-                        <a:t>Prozentsatz (%)</a:t>
-                      </a:r>
-                    </a:p>
-                  </a:txBody>
-                  <a:tcPr anchor="ctr"/>
-                </a:tc>
-                <a:tc>
-                  <a:txBody>
-                    <a:bodyPr/>
-                    <a:lstStyle>
-                      <a:defPPr>
-                        <a:defRPr lang="de-DE"/>
-                      </a:defPPr>
-                    </a:lstStyle>
-                    <a:p>
-                      <a:pPr algn="ctr" rtl="0"/>
-                      <a:r>
-                        <a:rPr lang="de-DE" noProof="0" dirty="0"/>
-                        <a:t>75</a:t>
-                      </a:r>
-                    </a:p>
-                  </a:txBody>
-                  <a:tcPr anchor="ctr"/>
-                </a:tc>
-                <a:tc>
-                  <a:txBody>
-                    <a:bodyPr/>
-                    <a:lstStyle>
-                      <a:defPPr>
-                        <a:defRPr lang="de-DE"/>
-                      </a:defPPr>
-                    </a:lstStyle>
-                    <a:p>
-                      <a:pPr algn="ctr" rtl="0"/>
-                      <a:r>
-                        <a:rPr lang="de-DE" noProof="0" dirty="0"/>
-                        <a:t>80</a:t>
-                      </a:r>
-                    </a:p>
-                  </a:txBody>
-                  <a:tcPr anchor="ctr"/>
-                </a:tc>
-                <a:extLst>
-                  <a:ext uri="{0D108BD9-81ED-4DB2-BD59-A6C34878D82A}">
-                    <a16:rowId xmlns:a16="http://schemas.microsoft.com/office/drawing/2014/main" val="85209771"/>
-                  </a:ext>
-                </a:extLst>
-              </a:tr>
-              <a:tr h="531843">
-                <a:tc>
-                  <a:txBody>
-                    <a:bodyPr/>
-                    <a:lstStyle>
-                      <a:defPPr>
-                        <a:defRPr lang="de-DE"/>
-                      </a:defPPr>
-                    </a:lstStyle>
-                    <a:p>
-                      <a:pPr algn="ctr" rtl="0"/>
-                      <a:r>
-                        <a:rPr lang="de-DE" noProof="0" dirty="0"/>
-                        <a:t>Umfragen nach der Präsentation</a:t>
-                      </a:r>
-                    </a:p>
-                  </a:txBody>
-                  <a:tcPr anchor="ctr"/>
-                </a:tc>
-                <a:tc>
-                  <a:txBody>
-                    <a:bodyPr/>
-                    <a:lstStyle>
-                      <a:defPPr>
-                        <a:defRPr lang="de-DE"/>
-                      </a:defPPr>
-                    </a:lstStyle>
-                    <a:p>
-                      <a:pPr algn="ctr" rtl="0"/>
-                      <a:r>
-                        <a:rPr lang="de-DE" noProof="0" dirty="0"/>
-                        <a:t>Durchschnittliche Bewertung</a:t>
-                      </a:r>
-                    </a:p>
-                  </a:txBody>
-                  <a:tcPr anchor="ctr"/>
-                </a:tc>
-                <a:tc>
-                  <a:txBody>
-                    <a:bodyPr/>
-                    <a:lstStyle>
-                      <a:defPPr>
-                        <a:defRPr lang="de-DE"/>
-                      </a:defPPr>
-                    </a:lstStyle>
-                    <a:p>
-                      <a:pPr algn="ctr" rtl="0"/>
-                      <a:r>
-                        <a:rPr lang="de-DE" noProof="0" dirty="0"/>
-                        <a:t>4,2</a:t>
-                      </a:r>
-                    </a:p>
-                  </a:txBody>
-                  <a:tcPr anchor="ctr"/>
-                </a:tc>
-                <a:tc>
-                  <a:txBody>
-                    <a:bodyPr/>
-                    <a:lstStyle>
-                      <a:defPPr>
-                        <a:defRPr lang="de-DE"/>
-                      </a:defPPr>
-                    </a:lstStyle>
-                    <a:p>
-                      <a:pPr algn="ctr" rtl="0"/>
-                      <a:r>
-                        <a:rPr lang="de-DE" noProof="0" dirty="0"/>
-                        <a:t>4,5</a:t>
-                      </a:r>
-                    </a:p>
-                  </a:txBody>
-                  <a:tcPr anchor="ctr"/>
-                </a:tc>
-                <a:extLst>
-                  <a:ext uri="{0D108BD9-81ED-4DB2-BD59-A6C34878D82A}">
-                    <a16:rowId xmlns:a16="http://schemas.microsoft.com/office/drawing/2014/main" val="4061031278"/>
-                  </a:ext>
-                </a:extLst>
-              </a:tr>
-              <a:tr h="531843">
-                <a:tc>
-                  <a:txBody>
-                    <a:bodyPr/>
-                    <a:lstStyle>
-                      <a:defPPr>
-                        <a:defRPr lang="de-DE"/>
-                      </a:defPPr>
-                    </a:lstStyle>
-                    <a:p>
-                      <a:pPr algn="ctr" rtl="0"/>
-                      <a:r>
-                        <a:rPr lang="de-DE" noProof="0" dirty="0"/>
-                        <a:t>Empfehlungsrate</a:t>
-                      </a:r>
-                    </a:p>
-                  </a:txBody>
-                  <a:tcPr anchor="ctr"/>
-                </a:tc>
-                <a:tc>
-                  <a:txBody>
-                    <a:bodyPr/>
-                    <a:lstStyle>
-                      <a:defPPr>
-                        <a:defRPr lang="de-DE"/>
-                      </a:defPPr>
-                    </a:lstStyle>
-                    <a:p>
-                      <a:pPr algn="ctr" rtl="0"/>
-                      <a:r>
-                        <a:rPr lang="de-DE" noProof="0" dirty="0"/>
-                        <a:t>Prozentsatz (%)</a:t>
-                      </a:r>
-                    </a:p>
-                  </a:txBody>
-                  <a:tcPr anchor="ctr"/>
-                </a:tc>
-                <a:tc>
-                  <a:txBody>
-                    <a:bodyPr/>
-                    <a:lstStyle>
-                      <a:defPPr>
-                        <a:defRPr lang="de-DE"/>
-                      </a:defPPr>
-                    </a:lstStyle>
-                    <a:p>
-                      <a:pPr algn="ctr" rtl="0"/>
-                      <a:r>
-                        <a:rPr lang="de-DE" noProof="0" dirty="0"/>
-                        <a:t>10</a:t>
-                      </a:r>
-                    </a:p>
-                  </a:txBody>
-                  <a:tcPr anchor="ctr"/>
-                </a:tc>
-                <a:tc>
-                  <a:txBody>
-                    <a:bodyPr/>
-                    <a:lstStyle>
-                      <a:defPPr>
-                        <a:defRPr lang="de-DE"/>
-                      </a:defPPr>
-                    </a:lstStyle>
-                    <a:p>
-                      <a:pPr algn="ctr" rtl="0"/>
-                      <a:r>
-                        <a:rPr lang="de-DE" noProof="0" dirty="0"/>
-                        <a:t>12</a:t>
-                      </a:r>
-                    </a:p>
-                  </a:txBody>
-                  <a:tcPr anchor="ctr"/>
-                </a:tc>
-                <a:extLst>
-                  <a:ext uri="{0D108BD9-81ED-4DB2-BD59-A6C34878D82A}">
-                    <a16:rowId xmlns:a16="http://schemas.microsoft.com/office/drawing/2014/main" val="3591840781"/>
-                  </a:ext>
-                </a:extLst>
-              </a:tr>
-              <a:tr h="710249">
-                <a:tc>
-                  <a:txBody>
-                    <a:bodyPr/>
-                    <a:lstStyle>
-                      <a:defPPr>
-                        <a:defRPr lang="de-DE"/>
-                      </a:defPPr>
-                    </a:lstStyle>
-                    <a:p>
-                      <a:pPr algn="ctr" rtl="0"/>
-                      <a:r>
-                        <a:rPr lang="de-DE" noProof="0" dirty="0"/>
-                        <a:t>Möglichkeiten der Zusammenarbeit</a:t>
-                      </a:r>
-                    </a:p>
-                  </a:txBody>
-                  <a:tcPr anchor="ctr"/>
-                </a:tc>
-                <a:tc>
-                  <a:txBody>
-                    <a:bodyPr/>
-                    <a:lstStyle>
-                      <a:defPPr>
-                        <a:defRPr lang="de-DE"/>
-                      </a:defPPr>
-                    </a:lstStyle>
-                    <a:p>
-                      <a:pPr algn="ctr" rtl="0"/>
-                      <a:r>
-                        <a:rPr lang="de-DE" noProof="0" dirty="0"/>
-                        <a:t>Anzahl der Möglichkeiten</a:t>
-                      </a:r>
-                    </a:p>
-                  </a:txBody>
-                  <a:tcPr anchor="ctr"/>
-                </a:tc>
-                <a:tc>
-                  <a:txBody>
-                    <a:bodyPr/>
-                    <a:lstStyle>
-                      <a:defPPr>
-                        <a:defRPr lang="de-DE"/>
-                      </a:defPPr>
-                    </a:lstStyle>
-                    <a:p>
-                      <a:pPr algn="ctr" rtl="0"/>
-                      <a:r>
-                        <a:rPr lang="de-DE" noProof="0" dirty="0"/>
-                        <a:t>8</a:t>
-                      </a:r>
-                    </a:p>
-                  </a:txBody>
-                  <a:tcPr anchor="ctr"/>
-                </a:tc>
-                <a:tc>
-                  <a:txBody>
-                    <a:bodyPr/>
-                    <a:lstStyle>
-                      <a:defPPr>
-                        <a:defRPr lang="de-DE"/>
-                      </a:defPPr>
-                    </a:lstStyle>
-                    <a:p>
-                      <a:pPr algn="ctr" rtl="0"/>
-                      <a:r>
-                        <a:rPr lang="de-DE" noProof="0" dirty="0"/>
-                        <a:t>10</a:t>
-                      </a:r>
-                    </a:p>
-                  </a:txBody>
-                  <a:tcPr anchor="ctr"/>
-                </a:tc>
-                <a:extLst>
-                  <a:ext uri="{0D108BD9-81ED-4DB2-BD59-A6C34878D82A}">
-                    <a16:rowId xmlns:a16="http://schemas.microsoft.com/office/drawing/2014/main" val="335389741"/>
-                  </a:ext>
-                </a:extLst>
-              </a:tr>
-            </a:tbl>
-          </a:graphicData>
-        </a:graphic>
-      </p:graphicFrame>
-      <p:sp>
-        <p:nvSpPr>
-          <p:cNvPr id="5" name="Foliennummernplatzhalter 5">
-            <a:extLst>
-              <a:ext uri="{FF2B5EF4-FFF2-40B4-BE49-F238E27FC236}">
-                <a16:creationId xmlns:a16="http://schemas.microsoft.com/office/drawing/2014/main" id="{4832B776-E386-1CF9-CC8F-2D2FF3EA7066}"/>
-              </a:ext>
-            </a:extLst>
-          </p:cNvPr>
-          <p:cNvSpPr>
-            <a:spLocks noGrp="1"/>
-          </p:cNvSpPr>
-          <p:nvPr>
-            <p:ph type="sldNum" sz="quarter" idx="12"/>
-          </p:nvPr>
-        </p:nvSpPr>
-        <p:spPr>
-          <a:xfrm>
-            <a:off x="10373350" y="6356349"/>
-            <a:ext cx="987552" cy="365125"/>
-          </a:xfrm>
-        </p:spPr>
-        <p:txBody>
-          <a:bodyPr rtlCol="0"/>
-          <a:lstStyle>
-            <a:defPPr>
-              <a:defRPr lang="de-DE"/>
-            </a:defPPr>
-          </a:lstStyle>
-          <a:p>
-            <a:pPr rtl="0"/>
-            <a:fld id="{A49DFD55-3C28-40EF-9E31-A92D2E4017FF}" type="slidenum">
-              <a:rPr lang="de-DE" smtClean="0"/>
-              <a:pPr rtl="0"/>
-              <a:t>10</a:t>
-            </a:fld>
-            <a:endParaRPr lang="de-DE" dirty="0"/>
-          </a:p>
-        </p:txBody>
-      </p:sp>
-    </p:spTree>
-    <p:extLst>
-      <p:ext uri="{BB962C8B-B14F-4D97-AF65-F5344CB8AC3E}">
-        <p14:creationId xmlns:p14="http://schemas.microsoft.com/office/powerpoint/2010/main" val="2791821786"/>
-      </p:ext>
-    </p:extLst>
-  </p:cSld>
-  <p:clrMapOvr>
-    <a:masterClrMapping/>
-  </p:clrMapOvr>
-</p:sld>
-</file>
-
-<file path=ppt/slides/slide11.xml><?xml version="1.0" encoding="utf-8"?>
-<p:sld xmlns:a="http://schemas.openxmlformats.org/drawingml/2006/main" xmlns:r="http://schemas.openxmlformats.org/officeDocument/2006/relationships" xmlns:p="http://schemas.openxmlformats.org/presentationml/2006/main">
-  <p:cSld>
-    <p:spTree>
-      <p:nvGrpSpPr>
-        <p:cNvPr id="1" name=""/>
-        <p:cNvGrpSpPr/>
-        <p:nvPr/>
-      </p:nvGrpSpPr>
-      <p:grpSpPr>
-        <a:xfrm>
-          <a:off x="0" y="0"/>
-          <a:ext cx="0" cy="0"/>
-          <a:chOff x="0" y="0"/>
-          <a:chExt cx="0" cy="0"/>
-        </a:xfrm>
-      </p:grpSpPr>
-      <p:sp>
-        <p:nvSpPr>
-          <p:cNvPr id="2" name="Titel 1">
-            <a:extLst>
-              <a:ext uri="{FF2B5EF4-FFF2-40B4-BE49-F238E27FC236}">
-                <a16:creationId xmlns:a16="http://schemas.microsoft.com/office/drawing/2014/main" id="{8BDF1EDE-5423-435C-B149-87AB1BC22B83}"/>
-              </a:ext>
-            </a:extLst>
-          </p:cNvPr>
-          <p:cNvSpPr>
-            <a:spLocks noGrp="1"/>
-          </p:cNvSpPr>
-          <p:nvPr>
-            <p:ph type="ctrTitle"/>
-          </p:nvPr>
-        </p:nvSpPr>
-        <p:spPr>
-          <a:xfrm>
-            <a:off x="4267200" y="1615736"/>
-            <a:ext cx="4179570" cy="1524735"/>
-          </a:xfrm>
-        </p:spPr>
-        <p:txBody>
-          <a:bodyPr rtlCol="0"/>
-          <a:lstStyle>
-            <a:defPPr>
-              <a:defRPr lang="de-DE"/>
-            </a:defPPr>
-          </a:lstStyle>
-          <a:p>
-            <a:pPr rtl="0"/>
-            <a:r>
-              <a:rPr lang="de-DE"/>
-              <a:t>VIELEN DANK!</a:t>
-            </a:r>
-          </a:p>
-        </p:txBody>
-      </p:sp>
-      <p:sp>
-        <p:nvSpPr>
-          <p:cNvPr id="3" name="Untertitel 2">
-            <a:extLst>
-              <a:ext uri="{FF2B5EF4-FFF2-40B4-BE49-F238E27FC236}">
-                <a16:creationId xmlns:a16="http://schemas.microsoft.com/office/drawing/2014/main" id="{AF64C29E-DF30-4DC6-AB95-2016F9A703B6}"/>
-              </a:ext>
-            </a:extLst>
-          </p:cNvPr>
-          <p:cNvSpPr>
-            <a:spLocks noGrp="1"/>
-          </p:cNvSpPr>
-          <p:nvPr>
-            <p:ph type="subTitle" idx="1"/>
-          </p:nvPr>
-        </p:nvSpPr>
-        <p:spPr>
-          <a:xfrm>
-            <a:off x="4267200" y="3238103"/>
-            <a:ext cx="4179570" cy="2850181"/>
-          </a:xfrm>
-        </p:spPr>
-        <p:txBody>
-          <a:bodyPr rtlCol="0">
-            <a:noAutofit/>
-          </a:bodyPr>
-          <a:lstStyle>
-            <a:defPPr>
-              <a:defRPr lang="de-DE"/>
-            </a:defPPr>
-          </a:lstStyle>
-          <a:p>
-            <a:pPr rtl="0"/>
-            <a:r>
-              <a:rPr lang="de-DE"/>
-              <a:t>Brita Tamm</a:t>
-            </a:r>
-          </a:p>
-          <a:p>
-            <a:pPr rtl="0"/>
-            <a:r>
-              <a:rPr lang="de-DE"/>
-              <a:t>502-555-0152</a:t>
-            </a:r>
-          </a:p>
-          <a:p>
-            <a:pPr rtl="0"/>
-            <a:r>
-              <a:rPr lang="de-DE"/>
-              <a:t>brita@firstupconsultants.com</a:t>
-            </a:r>
-          </a:p>
-          <a:p>
-            <a:pPr rtl="0"/>
-            <a:r>
-              <a:rPr lang="de-DE"/>
-              <a:t>www.firstupconsultants.com</a:t>
-            </a:r>
-          </a:p>
-        </p:txBody>
-      </p:sp>
-      <p:sp>
-        <p:nvSpPr>
-          <p:cNvPr id="6" name="Foliennummernplatzhalter 5">
-            <a:extLst>
-              <a:ext uri="{FF2B5EF4-FFF2-40B4-BE49-F238E27FC236}">
-                <a16:creationId xmlns:a16="http://schemas.microsoft.com/office/drawing/2014/main" id="{4C127D99-645F-4FCF-9573-FDFE2A344FA9}"/>
-              </a:ext>
-            </a:extLst>
-          </p:cNvPr>
-          <p:cNvSpPr>
-            <a:spLocks noGrp="1"/>
-          </p:cNvSpPr>
-          <p:nvPr>
-            <p:ph type="sldNum" sz="quarter" idx="12"/>
-          </p:nvPr>
-        </p:nvSpPr>
-        <p:spPr>
-          <a:xfrm>
-            <a:off x="9579428" y="6356350"/>
-            <a:ext cx="1774371" cy="365125"/>
-          </a:xfrm>
-        </p:spPr>
-        <p:txBody>
-          <a:bodyPr rtlCol="0"/>
-          <a:lstStyle>
-            <a:defPPr>
-              <a:defRPr lang="de-DE"/>
-            </a:defPPr>
-          </a:lstStyle>
-          <a:p>
-            <a:pPr rtl="0"/>
-            <a:fld id="{A49DFD55-3C28-40EF-9E31-A92D2E4017FF}" type="slidenum">
-              <a:rPr lang="de-DE" smtClean="0"/>
-              <a:pPr rtl="0"/>
-              <a:t>11</a:t>
-            </a:fld>
-            <a:endParaRPr lang="de-DE" dirty="0"/>
-          </a:p>
-        </p:txBody>
-      </p:sp>
-    </p:spTree>
-    <p:extLst>
-      <p:ext uri="{BB962C8B-B14F-4D97-AF65-F5344CB8AC3E}">
-        <p14:creationId xmlns:p14="http://schemas.microsoft.com/office/powerpoint/2010/main" val="1969787568"/>
-      </p:ext>
-    </p:extLst>
-  </p:cSld>
-  <p:clrMapOvr>
-    <a:masterClrMapping/>
-  </p:clrMapOvr>
-</p:sld>
-</file>
-
 <file path=ppt/slides/slide2.xml><?xml version="1.0" encoding="utf-8"?>
 <p:sld xmlns:a="http://schemas.openxmlformats.org/drawingml/2006/main" xmlns:r="http://schemas.openxmlformats.org/officeDocument/2006/relationships" xmlns:p="http://schemas.openxmlformats.org/presentationml/2006/main">
   <p:cSld>
@@ -9539,10 +8756,10 @@
       </p:sp>
       <p:pic>
         <p:nvPicPr>
-          <p:cNvPr id="9" name="Grafik 8">
-            <a:extLst>
-              <a:ext uri="{FF2B5EF4-FFF2-40B4-BE49-F238E27FC236}">
-                <a16:creationId xmlns:a16="http://schemas.microsoft.com/office/drawing/2014/main" id="{8C562C3D-4861-4D53-72A4-CB832A752549}"/>
+          <p:cNvPr id="5" name="Grafik 4">
+            <a:extLst>
+              <a:ext uri="{FF2B5EF4-FFF2-40B4-BE49-F238E27FC236}">
+                <a16:creationId xmlns:a16="http://schemas.microsoft.com/office/drawing/2014/main" id="{CC33080F-C658-323C-DD5E-0AAFA3D908D9}"/>
               </a:ext>
             </a:extLst>
           </p:cNvPr>
@@ -9559,8 +8776,8 @@
         </p:blipFill>
         <p:spPr>
           <a:xfrm>
-            <a:off x="1409268" y="4293380"/>
-            <a:ext cx="9951634" cy="1505503"/>
+            <a:off x="5696561" y="2077156"/>
+            <a:ext cx="6088002" cy="4461755"/>
           </a:xfrm>
           <a:prstGeom prst="rect">
             <a:avLst/>
@@ -9585,7 +8802,13 @@
   <p:cSld>
     <p:spTree>
       <p:nvGrpSpPr>
-        <p:cNvPr id="1" name=""/>
+        <p:cNvPr id="1" name="">
+          <a:extLst>
+            <a:ext uri="{FF2B5EF4-FFF2-40B4-BE49-F238E27FC236}">
+              <a16:creationId xmlns:a16="http://schemas.microsoft.com/office/drawing/2014/main" id="{14600FB7-C1B0-5B65-587E-716107B2FC4D}"/>
+            </a:ext>
+          </a:extLst>
+        </p:cNvPr>
         <p:cNvGrpSpPr/>
         <p:nvPr/>
       </p:nvGrpSpPr>
@@ -9599,10 +8822,63 @@
       </p:grpSpPr>
       <p:sp>
         <p:nvSpPr>
+          <p:cNvPr id="4" name="Rechteck 3">
+            <a:extLst>
+              <a:ext uri="{FF2B5EF4-FFF2-40B4-BE49-F238E27FC236}">
+                <a16:creationId xmlns:a16="http://schemas.microsoft.com/office/drawing/2014/main" id="{8959C324-18F9-34FA-1A66-D51DE007AEF6}"/>
+              </a:ext>
+            </a:extLst>
+          </p:cNvPr>
+          <p:cNvSpPr>
+            <a:spLocks noGrp="1" noRot="1" noMove="1" noResize="1" noEditPoints="1" noAdjustHandles="1" noChangeArrowheads="1" noChangeShapeType="1"/>
+          </p:cNvSpPr>
+          <p:nvPr/>
+        </p:nvSpPr>
+        <p:spPr>
+          <a:xfrm>
+            <a:off x="0" y="0"/>
+            <a:ext cx="12192000" cy="6858000"/>
+          </a:xfrm>
+          <a:prstGeom prst="rect">
+            <a:avLst/>
+          </a:prstGeom>
+          <a:solidFill>
+            <a:schemeClr val="tx1">
+              <a:alpha val="40000"/>
+            </a:schemeClr>
+          </a:solidFill>
+        </p:spPr>
+        <p:style>
+          <a:lnRef idx="2">
+            <a:schemeClr val="accent1">
+              <a:shade val="15000"/>
+            </a:schemeClr>
+          </a:lnRef>
+          <a:fillRef idx="1">
+            <a:schemeClr val="accent1"/>
+          </a:fillRef>
+          <a:effectRef idx="0">
+            <a:schemeClr val="accent1"/>
+          </a:effectRef>
+          <a:fontRef idx="minor">
+            <a:schemeClr val="lt1"/>
+          </a:fontRef>
+        </p:style>
+        <p:txBody>
+          <a:bodyPr rtlCol="0" anchor="ctr"/>
+          <a:lstStyle/>
+          <a:p>
+            <a:pPr algn="ctr"/>
+            <a:endParaRPr lang="LID4096" dirty="0"/>
+          </a:p>
+        </p:txBody>
+      </p:sp>
+      <p:sp>
+        <p:nvSpPr>
           <p:cNvPr id="2" name="Titel 1">
             <a:extLst>
               <a:ext uri="{FF2B5EF4-FFF2-40B4-BE49-F238E27FC236}">
-                <a16:creationId xmlns:a16="http://schemas.microsoft.com/office/drawing/2014/main" id="{8B27D9B3-B64F-656A-0D99-161A6C0F518F}"/>
+                <a16:creationId xmlns:a16="http://schemas.microsoft.com/office/drawing/2014/main" id="{74839208-78F1-5129-AEC1-709842748DF5}"/>
               </a:ext>
             </a:extLst>
           </p:cNvPr>
@@ -9615,8 +8891,8 @@
         </p:nvSpPr>
         <p:spPr>
           <a:xfrm>
-            <a:off x="1341120" y="558801"/>
-            <a:ext cx="9953308" cy="1780860"/>
+            <a:off x="2933700" y="505129"/>
+            <a:ext cx="8850863" cy="595666"/>
           </a:xfrm>
         </p:spPr>
         <p:txBody>
@@ -9630,17 +8906,17 @@
             <a:pPr rtl="0"/>
             <a:r>
               <a:rPr lang="de-DE" dirty="0"/>
-              <a:t>Navigieren in Fragen-und-Antworten-Sitzungen</a:t>
-            </a:r>
-          </a:p>
-        </p:txBody>
-      </p:sp>
-      <p:sp>
-        <p:nvSpPr>
-          <p:cNvPr id="13" name="Textplatzhalter 12">
-            <a:extLst>
-              <a:ext uri="{FF2B5EF4-FFF2-40B4-BE49-F238E27FC236}">
-                <a16:creationId xmlns:a16="http://schemas.microsoft.com/office/drawing/2014/main" id="{7E5B6E40-3A7D-ACF7-AA38-25977D322D81}"/>
+              <a:t>Screenshots, Fehler und Lösungsmethoden</a:t>
+            </a:r>
+          </a:p>
+        </p:txBody>
+      </p:sp>
+      <p:sp>
+        <p:nvSpPr>
+          <p:cNvPr id="35" name="Inhaltsplatzhalter 34">
+            <a:extLst>
+              <a:ext uri="{FF2B5EF4-FFF2-40B4-BE49-F238E27FC236}">
+                <a16:creationId xmlns:a16="http://schemas.microsoft.com/office/drawing/2014/main" id="{AEEF9007-9E1B-2554-F3A8-E08A33826048}"/>
               </a:ext>
             </a:extLst>
           </p:cNvPr>
@@ -9648,37 +8924,67 @@
             <a:spLocks noGrp="1"/>
           </p:cNvSpPr>
           <p:nvPr>
-            <p:ph type="body" idx="1"/>
-          </p:nvPr>
-        </p:nvSpPr>
-        <p:spPr>
-          <a:xfrm>
-            <a:off x="1341120" y="2960877"/>
-            <a:ext cx="2722880" cy="351284"/>
-          </a:xfrm>
-        </p:spPr>
-        <p:txBody>
-          <a:bodyPr rtlCol="0"/>
+            <p:ph sz="half" idx="13"/>
+          </p:nvPr>
+        </p:nvSpPr>
+        <p:spPr>
+          <a:xfrm>
+            <a:off x="400050" y="3762626"/>
+            <a:ext cx="4086837" cy="2776285"/>
+          </a:xfrm>
+        </p:spPr>
+        <p:txBody>
+          <a:bodyPr rtlCol="0">
+            <a:normAutofit/>
+          </a:bodyPr>
           <a:lstStyle>
             <a:defPPr>
               <a:defRPr lang="de-DE"/>
             </a:defPPr>
           </a:lstStyle>
           <a:p>
-            <a:pPr rtl="0"/>
+            <a:pPr marL="0" indent="0">
+              <a:buNone/>
+            </a:pPr>
+            <a:r>
+              <a:rPr lang="de-DE" sz="2400" b="1" dirty="0"/>
+              <a:t>Fehler 4</a:t>
+            </a:r>
+            <a:r>
+              <a:rPr lang="de-DE" sz="3600" dirty="0"/>
+              <a:t>:</a:t>
+            </a:r>
+          </a:p>
+          <a:p>
             <a:r>
               <a:rPr lang="de-DE" dirty="0"/>
-              <a:t>Vorbereiten auf Fragen</a:t>
-            </a:r>
-          </a:p>
-        </p:txBody>
-      </p:sp>
-      <p:sp>
-        <p:nvSpPr>
-          <p:cNvPr id="36" name="Inhaltsplatzhalter 35">
-            <a:extLst>
-              <a:ext uri="{FF2B5EF4-FFF2-40B4-BE49-F238E27FC236}">
-                <a16:creationId xmlns:a16="http://schemas.microsoft.com/office/drawing/2014/main" id="{E71298F0-74F1-FECA-0F02-495F9A2EBA7B}"/>
+              <a:t>Erstellung gleicher Fächer und Notenwünsche von über 15 sind möglich</a:t>
+            </a:r>
+          </a:p>
+          <a:p>
+            <a:pPr marL="285750" indent="-285750">
+              <a:buFont typeface="Wingdings" panose="05000000000000000000" pitchFamily="2" charset="2"/>
+              <a:buChar char="Ø"/>
+            </a:pPr>
+            <a:r>
+              <a:rPr lang="de-DE" dirty="0"/>
+              <a:t>Blockierung der Ausführung bei                 den genannten Fällen</a:t>
+            </a:r>
+          </a:p>
+          <a:p>
+            <a:pPr marL="0" indent="0">
+              <a:buNone/>
+            </a:pPr>
+            <a:endParaRPr lang="de-DE" dirty="0"/>
+          </a:p>
+        </p:txBody>
+      </p:sp>
+      <p:sp>
+        <p:nvSpPr>
+          <p:cNvPr id="8" name="Foliennummernplatzhalter 7">
+            <a:extLst>
+              <a:ext uri="{FF2B5EF4-FFF2-40B4-BE49-F238E27FC236}">
+                <a16:creationId xmlns:a16="http://schemas.microsoft.com/office/drawing/2014/main" id="{1C75B8A1-83FB-FAB3-ACED-16D9398D85D7}"/>
               </a:ext>
             </a:extLst>
           </p:cNvPr>
@@ -9686,171 +8992,7 @@
             <a:spLocks noGrp="1"/>
           </p:cNvSpPr>
           <p:nvPr>
-            <p:ph sz="half" idx="15"/>
-          </p:nvPr>
-        </p:nvSpPr>
-        <p:spPr>
-          <a:xfrm>
-            <a:off x="1341119" y="3392035"/>
-            <a:ext cx="3413762" cy="2907164"/>
-          </a:xfrm>
-        </p:spPr>
-        <p:txBody>
-          <a:bodyPr rtlCol="0">
-            <a:normAutofit/>
-          </a:bodyPr>
-          <a:lstStyle>
-            <a:defPPr>
-              <a:defRPr lang="de-DE"/>
-            </a:defPPr>
-          </a:lstStyle>
-          <a:p>
-            <a:pPr rtl="0"/>
-            <a:r>
-              <a:rPr lang="de-DE" dirty="0"/>
-              <a:t>Sich im Voraus mit Material vertraut machen</a:t>
-            </a:r>
-          </a:p>
-          <a:p>
-            <a:pPr rtl="0"/>
-            <a:r>
-              <a:rPr lang="de-DE" dirty="0"/>
-              <a:t>Antizipieren von häufig gestellten Fragen</a:t>
-            </a:r>
-          </a:p>
-          <a:p>
-            <a:pPr rtl="0"/>
-            <a:r>
-              <a:rPr lang="de-DE" dirty="0"/>
-              <a:t>Üben Ihrer Antworten</a:t>
-            </a:r>
-          </a:p>
-        </p:txBody>
-      </p:sp>
-      <p:sp>
-        <p:nvSpPr>
-          <p:cNvPr id="15" name="Textplatzhalter 14">
-            <a:extLst>
-              <a:ext uri="{FF2B5EF4-FFF2-40B4-BE49-F238E27FC236}">
-                <a16:creationId xmlns:a16="http://schemas.microsoft.com/office/drawing/2014/main" id="{A536BD54-EFA1-25A2-9F04-4F22C36E2A5D}"/>
-              </a:ext>
-            </a:extLst>
-          </p:cNvPr>
-          <p:cNvSpPr>
-            <a:spLocks noGrp="1"/>
-          </p:cNvSpPr>
-          <p:nvPr>
-            <p:ph type="body" idx="10"/>
-          </p:nvPr>
-        </p:nvSpPr>
-        <p:spPr>
-          <a:xfrm>
-            <a:off x="4754881" y="2960877"/>
-            <a:ext cx="5516880" cy="351284"/>
-          </a:xfrm>
-        </p:spPr>
-        <p:txBody>
-          <a:bodyPr rtlCol="0"/>
-          <a:lstStyle>
-            <a:defPPr>
-              <a:defRPr lang="de-DE"/>
-            </a:defPPr>
-          </a:lstStyle>
-          <a:p>
-            <a:pPr rtl="0"/>
-            <a:r>
-              <a:rPr lang="de-DE" dirty="0"/>
-              <a:t>Haltung bewahren</a:t>
-            </a:r>
-          </a:p>
-          <a:p>
-            <a:pPr rtl="0"/>
-            <a:endParaRPr lang="de-DE" dirty="0"/>
-          </a:p>
-        </p:txBody>
-      </p:sp>
-      <p:sp>
-        <p:nvSpPr>
-          <p:cNvPr id="14" name="Inhaltsplatzhalter 13">
-            <a:extLst>
-              <a:ext uri="{FF2B5EF4-FFF2-40B4-BE49-F238E27FC236}">
-                <a16:creationId xmlns:a16="http://schemas.microsoft.com/office/drawing/2014/main" id="{5112969F-EB84-49D5-7100-1FB28870FB30}"/>
-              </a:ext>
-            </a:extLst>
-          </p:cNvPr>
-          <p:cNvSpPr>
-            <a:spLocks noGrp="1"/>
-          </p:cNvSpPr>
-          <p:nvPr>
-            <p:ph sz="half" idx="14"/>
-          </p:nvPr>
-        </p:nvSpPr>
-        <p:spPr>
-          <a:xfrm>
-            <a:off x="4754881" y="3324859"/>
-            <a:ext cx="5506720" cy="3031489"/>
-          </a:xfrm>
-        </p:spPr>
-        <p:txBody>
-          <a:bodyPr rtlCol="0">
-            <a:normAutofit/>
-          </a:bodyPr>
-          <a:lstStyle>
-            <a:defPPr>
-              <a:defRPr lang="de-DE"/>
-            </a:defPPr>
-          </a:lstStyle>
-          <a:p>
-            <a:pPr rtl="0"/>
-            <a:r>
-              <a:rPr lang="de-DE" dirty="0"/>
-              <a:t>Um Selbstvertrauen und Autorität auszudrücken, ist es wichtig, während der Frage-und-Antwort-Runde Gelassenheit zu bewahren. Beachten Sie die folgenden Tipps, um gelassen zu bleiben:</a:t>
-            </a:r>
-          </a:p>
-          <a:p>
-            <a:pPr lvl="1" rtl="0"/>
-            <a:r>
-              <a:rPr lang="de-DE" dirty="0"/>
-              <a:t>Ruhig bleiben</a:t>
-            </a:r>
-          </a:p>
-          <a:p>
-            <a:pPr lvl="1" rtl="0"/>
-            <a:r>
-              <a:rPr lang="de-DE" dirty="0"/>
-              <a:t>Aktiv zuhören</a:t>
-            </a:r>
-          </a:p>
-          <a:p>
-            <a:pPr lvl="1" rtl="0"/>
-            <a:r>
-              <a:rPr lang="de-DE" dirty="0"/>
-              <a:t>Innehalten und nachdenken</a:t>
-            </a:r>
-          </a:p>
-          <a:p>
-            <a:pPr lvl="1" rtl="0"/>
-            <a:r>
-              <a:rPr lang="de-DE" dirty="0"/>
-              <a:t>Augenkontakt beibehalten</a:t>
-            </a:r>
-          </a:p>
-        </p:txBody>
-      </p:sp>
-      <p:sp>
-        <p:nvSpPr>
-          <p:cNvPr id="68" name="Foliennummernplatzhalter 67">
-            <a:extLst>
-              <a:ext uri="{FF2B5EF4-FFF2-40B4-BE49-F238E27FC236}">
-                <a16:creationId xmlns:a16="http://schemas.microsoft.com/office/drawing/2014/main" id="{AA0ACADD-CC4E-851C-DA07-C22DB97FA23E}"/>
-              </a:ext>
-            </a:extLst>
-          </p:cNvPr>
-          <p:cNvSpPr>
-            <a:spLocks noGrp="1"/>
-          </p:cNvSpPr>
-          <p:nvPr>
-            <p:ph type="sldNum" sz="quarter" idx="13"/>
+            <p:ph type="sldNum" sz="quarter" idx="12"/>
           </p:nvPr>
         </p:nvSpPr>
         <p:spPr>
@@ -9877,10 +9019,40 @@
           </a:p>
         </p:txBody>
       </p:sp>
+      <p:pic>
+        <p:nvPicPr>
+          <p:cNvPr id="6" name="Grafik 5">
+            <a:extLst>
+              <a:ext uri="{FF2B5EF4-FFF2-40B4-BE49-F238E27FC236}">
+                <a16:creationId xmlns:a16="http://schemas.microsoft.com/office/drawing/2014/main" id="{C170B63B-88F1-AD82-DA1E-E27A302D20C7}"/>
+              </a:ext>
+            </a:extLst>
+          </p:cNvPr>
+          <p:cNvPicPr>
+            <a:picLocks noChangeAspect="1"/>
+          </p:cNvPicPr>
+          <p:nvPr/>
+        </p:nvPicPr>
+        <p:blipFill>
+          <a:blip r:embed="rId3"/>
+          <a:stretch>
+            <a:fillRect/>
+          </a:stretch>
+        </p:blipFill>
+        <p:spPr>
+          <a:xfrm>
+            <a:off x="4058159" y="1822113"/>
+            <a:ext cx="7844611" cy="3372604"/>
+          </a:xfrm>
+          <a:prstGeom prst="rect">
+            <a:avLst/>
+          </a:prstGeom>
+        </p:spPr>
+      </p:pic>
     </p:spTree>
     <p:extLst>
       <p:ext uri="{BB962C8B-B14F-4D97-AF65-F5344CB8AC3E}">
-        <p14:creationId xmlns:p14="http://schemas.microsoft.com/office/powerpoint/2010/main" val="636929804"/>
+        <p14:creationId xmlns:p14="http://schemas.microsoft.com/office/powerpoint/2010/main" val="3751587117"/>
       </p:ext>
     </p:extLst>
   </p:cSld>
@@ -9909,10 +9081,63 @@
       </p:grpSpPr>
       <p:sp>
         <p:nvSpPr>
-          <p:cNvPr id="3" name="Titel 2">
-            <a:extLst>
-              <a:ext uri="{FF2B5EF4-FFF2-40B4-BE49-F238E27FC236}">
-                <a16:creationId xmlns:a16="http://schemas.microsoft.com/office/drawing/2014/main" id="{4321055C-5E33-5D21-2A6E-21827FA88ED3}"/>
+          <p:cNvPr id="2" name="Rechteck 1">
+            <a:extLst>
+              <a:ext uri="{FF2B5EF4-FFF2-40B4-BE49-F238E27FC236}">
+                <a16:creationId xmlns:a16="http://schemas.microsoft.com/office/drawing/2014/main" id="{682DBC41-2E68-849A-AED4-03BC33C9344D}"/>
+              </a:ext>
+            </a:extLst>
+          </p:cNvPr>
+          <p:cNvSpPr>
+            <a:spLocks noGrp="1" noRot="1" noMove="1" noResize="1" noEditPoints="1" noAdjustHandles="1" noChangeArrowheads="1" noChangeShapeType="1"/>
+          </p:cNvSpPr>
+          <p:nvPr/>
+        </p:nvSpPr>
+        <p:spPr>
+          <a:xfrm>
+            <a:off x="0" y="0"/>
+            <a:ext cx="12192000" cy="6858000"/>
+          </a:xfrm>
+          <a:prstGeom prst="rect">
+            <a:avLst/>
+          </a:prstGeom>
+          <a:solidFill>
+            <a:schemeClr val="tx1">
+              <a:alpha val="40000"/>
+            </a:schemeClr>
+          </a:solidFill>
+        </p:spPr>
+        <p:style>
+          <a:lnRef idx="2">
+            <a:schemeClr val="accent1">
+              <a:shade val="15000"/>
+            </a:schemeClr>
+          </a:lnRef>
+          <a:fillRef idx="1">
+            <a:schemeClr val="accent1"/>
+          </a:fillRef>
+          <a:effectRef idx="0">
+            <a:schemeClr val="accent1"/>
+          </a:effectRef>
+          <a:fontRef idx="minor">
+            <a:schemeClr val="lt1"/>
+          </a:fontRef>
+        </p:style>
+        <p:txBody>
+          <a:bodyPr rtlCol="0" anchor="ctr"/>
+          <a:lstStyle/>
+          <a:p>
+            <a:pPr algn="ctr"/>
+            <a:endParaRPr lang="LID4096" dirty="0"/>
+          </a:p>
+        </p:txBody>
+      </p:sp>
+      <p:sp>
+        <p:nvSpPr>
+          <p:cNvPr id="17" name="Titel 1">
+            <a:extLst>
+              <a:ext uri="{FF2B5EF4-FFF2-40B4-BE49-F238E27FC236}">
+                <a16:creationId xmlns:a16="http://schemas.microsoft.com/office/drawing/2014/main" id="{09140014-73D5-419B-8867-972BB18D52D4}"/>
               </a:ext>
             </a:extLst>
           </p:cNvPr>
@@ -9925,8 +9150,131 @@
         </p:nvSpPr>
         <p:spPr>
           <a:xfrm>
-            <a:off x="838201" y="895350"/>
-            <a:ext cx="3086099" cy="1917700"/>
+            <a:off x="838199" y="553231"/>
+            <a:ext cx="4603043" cy="1149726"/>
+          </a:xfrm>
+        </p:spPr>
+        <p:txBody>
+          <a:bodyPr rtlCol="0" anchor="b">
+            <a:normAutofit/>
+          </a:bodyPr>
+          <a:lstStyle>
+            <a:defPPr>
+              <a:defRPr lang="de-DE"/>
+            </a:defPPr>
+          </a:lstStyle>
+          <a:p>
+            <a:pPr rtl="0"/>
+            <a:r>
+              <a:rPr lang="de-DE" sz="3200" dirty="0"/>
+              <a:t>Verbesserungen und unser Produkt</a:t>
+            </a:r>
+          </a:p>
+        </p:txBody>
+      </p:sp>
+      <p:sp>
+        <p:nvSpPr>
+          <p:cNvPr id="20" name="Inhaltsplatzhalter 3">
+            <a:extLst>
+              <a:ext uri="{FF2B5EF4-FFF2-40B4-BE49-F238E27FC236}">
+                <a16:creationId xmlns:a16="http://schemas.microsoft.com/office/drawing/2014/main" id="{33D8731E-4977-402E-8BFD-895B4D0544CC}"/>
+              </a:ext>
+            </a:extLst>
+          </p:cNvPr>
+          <p:cNvSpPr>
+            <a:spLocks noGrp="1"/>
+          </p:cNvSpPr>
+          <p:nvPr>
+            <p:ph sz="half" idx="2"/>
+          </p:nvPr>
+        </p:nvSpPr>
+        <p:spPr>
+          <a:xfrm>
+            <a:off x="1227678" y="2627759"/>
+            <a:ext cx="3382509" cy="3366642"/>
+          </a:xfrm>
+        </p:spPr>
+        <p:txBody>
+          <a:bodyPr rtlCol="0">
+            <a:noAutofit/>
+          </a:bodyPr>
+          <a:lstStyle>
+            <a:defPPr>
+              <a:defRPr lang="de-DE"/>
+            </a:defPPr>
+          </a:lstStyle>
+          <a:p>
+            <a:pPr marL="0" indent="0">
+              <a:buFont typeface="Arial" panose="020B0604020202020204" pitchFamily="34" charset="0"/>
+              <a:buNone/>
+            </a:pPr>
+            <a:r>
+              <a:rPr lang="de-DE" sz="2400" b="1" dirty="0"/>
+              <a:t>Neue Funktionen</a:t>
+            </a:r>
+            <a:r>
+              <a:rPr lang="de-DE" dirty="0"/>
+              <a:t>:        </a:t>
+            </a:r>
+          </a:p>
+          <a:p>
+            <a:r>
+              <a:rPr lang="de-DE" sz="2000" dirty="0"/>
+              <a:t>Fächer löschen </a:t>
+            </a:r>
+          </a:p>
+          <a:p>
+            <a:r>
+              <a:rPr lang="de-DE" sz="2000" dirty="0"/>
+              <a:t>Note ändern / löschen</a:t>
+            </a:r>
+          </a:p>
+          <a:p>
+            <a:r>
+              <a:rPr lang="de-DE" sz="2000" dirty="0"/>
+              <a:t>Noten Indexanzeige</a:t>
+            </a:r>
+          </a:p>
+          <a:p>
+            <a:r>
+              <a:rPr lang="de-DE" sz="2000" dirty="0"/>
+              <a:t>GUI-Teilrahmenlinien</a:t>
+            </a:r>
+          </a:p>
+          <a:p>
+            <a:r>
+              <a:rPr lang="de-DE" sz="2000" dirty="0"/>
+              <a:t>GUI-Farbe</a:t>
+            </a:r>
+          </a:p>
+          <a:p>
+            <a:r>
+              <a:rPr lang="de-DE" sz="2000" dirty="0"/>
+              <a:t>Tooltipps</a:t>
+            </a:r>
+          </a:p>
+        </p:txBody>
+      </p:sp>
+      <p:sp>
+        <p:nvSpPr>
+          <p:cNvPr id="35" name="Inhaltsplatzhalter 34">
+            <a:extLst>
+              <a:ext uri="{FF2B5EF4-FFF2-40B4-BE49-F238E27FC236}">
+                <a16:creationId xmlns:a16="http://schemas.microsoft.com/office/drawing/2014/main" id="{4E9A764F-6B65-050E-E561-82F77339D164}"/>
+              </a:ext>
+            </a:extLst>
+          </p:cNvPr>
+          <p:cNvSpPr>
+            <a:spLocks noGrp="1"/>
+          </p:cNvSpPr>
+          <p:nvPr>
+            <p:ph sz="half" idx="14"/>
+          </p:nvPr>
+        </p:nvSpPr>
+        <p:spPr>
+          <a:xfrm>
+            <a:off x="6256877" y="2627759"/>
+            <a:ext cx="4707445" cy="3366641"/>
           </a:xfrm>
         </p:spPr>
         <p:txBody>
@@ -9939,20 +9287,65 @@
             </a:defPPr>
           </a:lstStyle>
           <a:p>
-            <a:pPr rtl="0"/>
+            <a:pPr marL="0" indent="0">
+              <a:buNone/>
+            </a:pPr>
+            <a:r>
+              <a:rPr lang="de-DE" sz="2400" b="1" dirty="0"/>
+              <a:t>Vergleich zur Basisvariante:        </a:t>
+            </a:r>
+          </a:p>
+          <a:p>
+            <a:r>
+              <a:rPr lang="de-DE" sz="2000" dirty="0"/>
+              <a:t>Fehlerfrei </a:t>
+            </a:r>
+          </a:p>
+          <a:p>
+            <a:r>
+              <a:rPr lang="de-DE" sz="2000" dirty="0"/>
+              <a:t>Deutlich stabiler</a:t>
+            </a:r>
+          </a:p>
+          <a:p>
+            <a:pPr marL="0" indent="0">
+              <a:buNone/>
+            </a:pPr>
+            <a:endParaRPr lang="de-DE" dirty="0"/>
+          </a:p>
+          <a:p>
+            <a:pPr marL="0" indent="0">
+              <a:buNone/>
+            </a:pPr>
+            <a:r>
+              <a:rPr lang="de-DE" sz="2400" b="1" dirty="0"/>
+              <a:t>Vorteile</a:t>
+            </a:r>
             <a:r>
               <a:rPr lang="de-DE" dirty="0"/>
-              <a:t>Dynamischer Vortrag</a:t>
-            </a:r>
-          </a:p>
-        </p:txBody>
-      </p:sp>
-      <p:sp>
-        <p:nvSpPr>
-          <p:cNvPr id="6" name="Textplatzhalter 5">
-            <a:extLst>
-              <a:ext uri="{FF2B5EF4-FFF2-40B4-BE49-F238E27FC236}">
-                <a16:creationId xmlns:a16="http://schemas.microsoft.com/office/drawing/2014/main" id="{B587B122-1579-FDB8-443B-F05E622163C3}"/>
+              <a:t>: </a:t>
+            </a:r>
+          </a:p>
+          <a:p>
+            <a:r>
+              <a:rPr lang="de-DE" sz="2000" dirty="0"/>
+              <a:t>Bessere Kontrolle über Noten</a:t>
+            </a:r>
+          </a:p>
+          <a:p>
+            <a:r>
+              <a:rPr lang="de-DE" sz="2000" dirty="0"/>
+              <a:t>Benutzerfreundlicher und effizienter in der Anwendung</a:t>
+            </a:r>
+          </a:p>
+        </p:txBody>
+      </p:sp>
+      <p:sp>
+        <p:nvSpPr>
+          <p:cNvPr id="9" name="Foliennummernplatzhalter 8">
+            <a:extLst>
+              <a:ext uri="{FF2B5EF4-FFF2-40B4-BE49-F238E27FC236}">
+                <a16:creationId xmlns:a16="http://schemas.microsoft.com/office/drawing/2014/main" id="{C396FFDC-ADE8-4009-A466-A81787258E88}"/>
               </a:ext>
             </a:extLst>
           </p:cNvPr>
@@ -9960,599 +9353,13 @@
             <a:spLocks noGrp="1"/>
           </p:cNvSpPr>
           <p:nvPr>
-            <p:ph sz="half" idx="16"/>
-          </p:nvPr>
-        </p:nvSpPr>
-        <p:spPr>
-          <a:xfrm>
-            <a:off x="838200" y="2813049"/>
-            <a:ext cx="3183294" cy="3238499"/>
-          </a:xfrm>
-        </p:spPr>
-        <p:txBody>
-          <a:bodyPr rtlCol="0">
-            <a:normAutofit/>
-          </a:bodyPr>
-          <a:lstStyle>
-            <a:defPPr>
-              <a:defRPr lang="de-DE"/>
-            </a:defPPr>
-          </a:lstStyle>
-          <a:p>
-            <a:pPr rtl="0"/>
-            <a:r>
-              <a:rPr lang="de-DE" dirty="0"/>
-              <a:t>Erfahren Sie, wie Sie Energie in Ihren Vortrag einfließen lassen, um einen bleibenden Eindruck zu hinterlassen.</a:t>
-            </a:r>
-          </a:p>
-          <a:p>
-            <a:pPr rtl="0"/>
-            <a:r>
-              <a:rPr lang="de-DE" dirty="0"/>
-              <a:t>Eines der Ziele einer effektiven Kommunikation besteht darin, Ihre Zielgruppe zu motivieren.</a:t>
-            </a:r>
-          </a:p>
-        </p:txBody>
-      </p:sp>
-      <p:graphicFrame>
-        <p:nvGraphicFramePr>
-          <p:cNvPr id="10" name="Tabellenplatzhalter 2">
-            <a:extLst>
-              <a:ext uri="{FF2B5EF4-FFF2-40B4-BE49-F238E27FC236}">
-                <a16:creationId xmlns:a16="http://schemas.microsoft.com/office/drawing/2014/main" id="{98ED67AF-B48B-F5F8-E2FD-1C98C42C4D54}"/>
-              </a:ext>
-            </a:extLst>
-          </p:cNvPr>
-          <p:cNvGraphicFramePr>
-            <a:graphicFrameLocks noGrp="1"/>
-          </p:cNvGraphicFramePr>
-          <p:nvPr>
-            <p:ph type="tbl" sz="quarter" idx="14"/>
-            <p:extLst>
-              <p:ext uri="{D42A27DB-BD31-4B8C-83A1-F6EECF244321}">
-                <p14:modId xmlns:p14="http://schemas.microsoft.com/office/powerpoint/2010/main" val="3647597396"/>
-              </p:ext>
-            </p:extLst>
-          </p:nvPr>
-        </p:nvGraphicFramePr>
-        <p:xfrm>
-          <a:off x="4216400" y="895350"/>
-          <a:ext cx="7137404" cy="5168329"/>
-        </p:xfrm>
-        <a:graphic>
-          <a:graphicData uri="http://schemas.openxmlformats.org/drawingml/2006/table">
-            <a:tbl>
-              <a:tblPr firstRow="1" bandRow="1">
-                <a:tableStyleId>{7E9639D4-E3E2-4D34-9284-5A2195B3D0D7}</a:tableStyleId>
-              </a:tblPr>
-              <a:tblGrid>
-                <a:gridCol w="1784351">
-                  <a:extLst>
-                    <a:ext uri="{9D8B030D-6E8A-4147-A177-3AD203B41FA5}">
-                      <a16:colId xmlns:a16="http://schemas.microsoft.com/office/drawing/2014/main" val="127040821"/>
-                    </a:ext>
-                  </a:extLst>
-                </a:gridCol>
-                <a:gridCol w="1784351">
-                  <a:extLst>
-                    <a:ext uri="{9D8B030D-6E8A-4147-A177-3AD203B41FA5}">
-                      <a16:colId xmlns:a16="http://schemas.microsoft.com/office/drawing/2014/main" val="149845700"/>
-                    </a:ext>
-                  </a:extLst>
-                </a:gridCol>
-                <a:gridCol w="1784351">
-                  <a:extLst>
-                    <a:ext uri="{9D8B030D-6E8A-4147-A177-3AD203B41FA5}">
-                      <a16:colId xmlns:a16="http://schemas.microsoft.com/office/drawing/2014/main" val="3119692462"/>
-                    </a:ext>
-                  </a:extLst>
-                </a:gridCol>
-                <a:gridCol w="1784351">
-                  <a:extLst>
-                    <a:ext uri="{9D8B030D-6E8A-4147-A177-3AD203B41FA5}">
-                      <a16:colId xmlns:a16="http://schemas.microsoft.com/office/drawing/2014/main" val="3472639139"/>
-                    </a:ext>
-                  </a:extLst>
-                </a:gridCol>
-              </a:tblGrid>
-              <a:tr h="810285">
-                <a:tc>
-                  <a:txBody>
-                    <a:bodyPr/>
-                    <a:lstStyle>
-                      <a:defPPr>
-                        <a:defRPr lang="de-DE"/>
-                      </a:defPPr>
-                    </a:lstStyle>
-                    <a:p>
-                      <a:pPr algn="ctr" rtl="0"/>
-                      <a:r>
-                        <a:rPr lang="de-DE" b="0" noProof="0" dirty="0"/>
-                        <a:t>METRIK</a:t>
-                      </a:r>
-                    </a:p>
-                  </a:txBody>
-                  <a:tcPr anchor="ctr"/>
-                </a:tc>
-                <a:tc>
-                  <a:txBody>
-                    <a:bodyPr/>
-                    <a:lstStyle>
-                      <a:defPPr>
-                        <a:defRPr lang="de-DE"/>
-                      </a:defPPr>
-                    </a:lstStyle>
-                    <a:p>
-                      <a:pPr algn="ctr" rtl="0"/>
-                      <a:r>
-                        <a:rPr lang="de-DE" b="0" noProof="0" dirty="0"/>
-                        <a:t>MESSUNG</a:t>
-                      </a:r>
-                    </a:p>
-                  </a:txBody>
-                  <a:tcPr anchor="ctr"/>
-                </a:tc>
-                <a:tc>
-                  <a:txBody>
-                    <a:bodyPr/>
-                    <a:lstStyle>
-                      <a:defPPr>
-                        <a:defRPr lang="de-DE"/>
-                      </a:defPPr>
-                    </a:lstStyle>
-                    <a:p>
-                      <a:pPr algn="ctr" rtl="0"/>
-                      <a:r>
-                        <a:rPr lang="de-DE" b="0" noProof="0" dirty="0"/>
-                        <a:t>ZIEL</a:t>
-                      </a:r>
-                    </a:p>
-                  </a:txBody>
-                  <a:tcPr anchor="ctr"/>
-                </a:tc>
-                <a:tc>
-                  <a:txBody>
-                    <a:bodyPr/>
-                    <a:lstStyle>
-                      <a:defPPr>
-                        <a:defRPr lang="de-DE"/>
-                      </a:defPPr>
-                    </a:lstStyle>
-                    <a:p>
-                      <a:pPr algn="ctr" rtl="0"/>
-                      <a:r>
-                        <a:rPr lang="de-DE" b="0" noProof="0" dirty="0"/>
-                        <a:t>TATSÄCHLICH</a:t>
-                      </a:r>
-                    </a:p>
-                  </a:txBody>
-                  <a:tcPr anchor="ctr"/>
-                </a:tc>
-                <a:extLst>
-                  <a:ext uri="{0D108BD9-81ED-4DB2-BD59-A6C34878D82A}">
-                    <a16:rowId xmlns:a16="http://schemas.microsoft.com/office/drawing/2014/main" val="3298013591"/>
-                  </a:ext>
-                </a:extLst>
-              </a:tr>
-              <a:tr h="839540">
-                <a:tc>
-                  <a:txBody>
-                    <a:bodyPr/>
-                    <a:lstStyle>
-                      <a:defPPr>
-                        <a:defRPr lang="de-DE"/>
-                      </a:defPPr>
-                    </a:lstStyle>
-                    <a:p>
-                      <a:pPr algn="ctr" rtl="0"/>
-                      <a:r>
-                        <a:rPr lang="de-DE" noProof="0" dirty="0"/>
-                        <a:t>Anwesenheit des Publikums</a:t>
-                      </a:r>
-                    </a:p>
-                  </a:txBody>
-                  <a:tcPr anchor="ctr"/>
-                </a:tc>
-                <a:tc>
-                  <a:txBody>
-                    <a:bodyPr/>
-                    <a:lstStyle>
-                      <a:defPPr>
-                        <a:defRPr lang="de-DE"/>
-                      </a:defPPr>
-                    </a:lstStyle>
-                    <a:p>
-                      <a:pPr algn="ctr" rtl="0"/>
-                      <a:r>
-                        <a:rPr lang="de-DE" noProof="0" dirty="0"/>
-                        <a:t>Anzahl der Teilnehmer</a:t>
-                      </a:r>
-                    </a:p>
-                  </a:txBody>
-                  <a:tcPr anchor="ctr"/>
-                </a:tc>
-                <a:tc>
-                  <a:txBody>
-                    <a:bodyPr/>
-                    <a:lstStyle>
-                      <a:defPPr>
-                        <a:defRPr lang="de-DE"/>
-                      </a:defPPr>
-                    </a:lstStyle>
-                    <a:p>
-                      <a:pPr algn="ctr" rtl="0"/>
-                      <a:r>
-                        <a:rPr lang="de-DE" noProof="0" dirty="0"/>
-                        <a:t>150</a:t>
-                      </a:r>
-                    </a:p>
-                  </a:txBody>
-                  <a:tcPr anchor="ctr"/>
-                </a:tc>
-                <a:tc>
-                  <a:txBody>
-                    <a:bodyPr/>
-                    <a:lstStyle>
-                      <a:defPPr>
-                        <a:defRPr lang="de-DE"/>
-                      </a:defPPr>
-                    </a:lstStyle>
-                    <a:p>
-                      <a:pPr algn="ctr" rtl="0"/>
-                      <a:r>
-                        <a:rPr lang="de-DE" noProof="0" dirty="0"/>
-                        <a:t>120</a:t>
-                      </a:r>
-                    </a:p>
-                  </a:txBody>
-                  <a:tcPr anchor="ctr"/>
-                </a:tc>
-                <a:extLst>
-                  <a:ext uri="{0D108BD9-81ED-4DB2-BD59-A6C34878D82A}">
-                    <a16:rowId xmlns:a16="http://schemas.microsoft.com/office/drawing/2014/main" val="3873867931"/>
-                  </a:ext>
-                </a:extLst>
-              </a:tr>
-              <a:tr h="839540">
-                <a:tc>
-                  <a:txBody>
-                    <a:bodyPr/>
-                    <a:lstStyle>
-                      <a:defPPr>
-                        <a:defRPr lang="de-DE"/>
-                      </a:defPPr>
-                    </a:lstStyle>
-                    <a:p>
-                      <a:pPr algn="ctr" rtl="0"/>
-                      <a:r>
-                        <a:rPr lang="de-DE" noProof="0" dirty="0"/>
-                        <a:t>Vortragsdauer</a:t>
-                      </a:r>
-                    </a:p>
-                  </a:txBody>
-                  <a:tcPr anchor="ctr"/>
-                </a:tc>
-                <a:tc>
-                  <a:txBody>
-                    <a:bodyPr/>
-                    <a:lstStyle>
-                      <a:defPPr>
-                        <a:defRPr lang="de-DE"/>
-                      </a:defPPr>
-                    </a:lstStyle>
-                    <a:p>
-                      <a:pPr algn="ctr" rtl="0"/>
-                      <a:r>
-                        <a:rPr lang="de-DE" noProof="0" dirty="0"/>
-                        <a:t>Minuten</a:t>
-                      </a:r>
-                    </a:p>
-                  </a:txBody>
-                  <a:tcPr anchor="ctr"/>
-                </a:tc>
-                <a:tc>
-                  <a:txBody>
-                    <a:bodyPr/>
-                    <a:lstStyle>
-                      <a:defPPr>
-                        <a:defRPr lang="de-DE"/>
-                      </a:defPPr>
-                    </a:lstStyle>
-                    <a:p>
-                      <a:pPr algn="ctr" rtl="0"/>
-                      <a:r>
-                        <a:rPr lang="de-DE" noProof="0" dirty="0"/>
-                        <a:t>60</a:t>
-                      </a:r>
-                    </a:p>
-                  </a:txBody>
-                  <a:tcPr anchor="ctr"/>
-                </a:tc>
-                <a:tc>
-                  <a:txBody>
-                    <a:bodyPr/>
-                    <a:lstStyle>
-                      <a:defPPr>
-                        <a:defRPr lang="de-DE"/>
-                      </a:defPPr>
-                    </a:lstStyle>
-                    <a:p>
-                      <a:pPr algn="ctr" rtl="0"/>
-                      <a:r>
-                        <a:rPr lang="de-DE" noProof="0" dirty="0"/>
-                        <a:t>75</a:t>
-                      </a:r>
-                    </a:p>
-                  </a:txBody>
-                  <a:tcPr anchor="ctr"/>
-                </a:tc>
-                <a:extLst>
-                  <a:ext uri="{0D108BD9-81ED-4DB2-BD59-A6C34878D82A}">
-                    <a16:rowId xmlns:a16="http://schemas.microsoft.com/office/drawing/2014/main" val="85209771"/>
-                  </a:ext>
-                </a:extLst>
-              </a:tr>
-              <a:tr h="587640">
-                <a:tc>
-                  <a:txBody>
-                    <a:bodyPr/>
-                    <a:lstStyle>
-                      <a:defPPr>
-                        <a:defRPr lang="de-DE"/>
-                      </a:defPPr>
-                    </a:lstStyle>
-                    <a:p>
-                      <a:pPr algn="ctr" rtl="0"/>
-                      <a:r>
-                        <a:rPr lang="de-DE" noProof="0" dirty="0"/>
-                        <a:t>Frage-Antwort-Interaktion</a:t>
-                      </a:r>
-                    </a:p>
-                  </a:txBody>
-                  <a:tcPr anchor="ctr"/>
-                </a:tc>
-                <a:tc>
-                  <a:txBody>
-                    <a:bodyPr/>
-                    <a:lstStyle>
-                      <a:defPPr>
-                        <a:defRPr lang="de-DE"/>
-                      </a:defPPr>
-                    </a:lstStyle>
-                    <a:p>
-                      <a:pPr algn="ctr" rtl="0"/>
-                      <a:r>
-                        <a:rPr lang="de-DE" noProof="0" dirty="0"/>
-                        <a:t>Anzahl der Fragen</a:t>
-                      </a:r>
-                    </a:p>
-                  </a:txBody>
-                  <a:tcPr anchor="ctr"/>
-                </a:tc>
-                <a:tc>
-                  <a:txBody>
-                    <a:bodyPr/>
-                    <a:lstStyle>
-                      <a:defPPr>
-                        <a:defRPr lang="de-DE"/>
-                      </a:defPPr>
-                    </a:lstStyle>
-                    <a:p>
-                      <a:pPr algn="ctr" rtl="0"/>
-                      <a:r>
-                        <a:rPr lang="de-DE" noProof="0" dirty="0"/>
-                        <a:t>10</a:t>
-                      </a:r>
-                    </a:p>
-                  </a:txBody>
-                  <a:tcPr anchor="ctr"/>
-                </a:tc>
-                <a:tc>
-                  <a:txBody>
-                    <a:bodyPr/>
-                    <a:lstStyle>
-                      <a:defPPr>
-                        <a:defRPr lang="de-DE"/>
-                      </a:defPPr>
-                    </a:lstStyle>
-                    <a:p>
-                      <a:pPr algn="ctr" rtl="0"/>
-                      <a:r>
-                        <a:rPr lang="de-DE" noProof="0" dirty="0"/>
-                        <a:t>15</a:t>
-                      </a:r>
-                    </a:p>
-                  </a:txBody>
-                  <a:tcPr anchor="ctr"/>
-                </a:tc>
-                <a:extLst>
-                  <a:ext uri="{0D108BD9-81ED-4DB2-BD59-A6C34878D82A}">
-                    <a16:rowId xmlns:a16="http://schemas.microsoft.com/office/drawing/2014/main" val="4061031278"/>
-                  </a:ext>
-                </a:extLst>
-              </a:tr>
-              <a:tr h="839540">
-                <a:tc>
-                  <a:txBody>
-                    <a:bodyPr/>
-                    <a:lstStyle>
-                      <a:defPPr>
-                        <a:defRPr lang="de-DE"/>
-                      </a:defPPr>
-                    </a:lstStyle>
-                    <a:p>
-                      <a:pPr algn="ctr" rtl="0"/>
-                      <a:r>
-                        <a:rPr lang="de-DE" noProof="0" dirty="0"/>
-                        <a:t>Positives Feedback</a:t>
-                      </a:r>
-                    </a:p>
-                  </a:txBody>
-                  <a:tcPr anchor="ctr"/>
-                </a:tc>
-                <a:tc>
-                  <a:txBody>
-                    <a:bodyPr/>
-                    <a:lstStyle>
-                      <a:defPPr>
-                        <a:defRPr lang="de-DE"/>
-                      </a:defPPr>
-                    </a:lstStyle>
-                    <a:p>
-                      <a:pPr algn="ctr" rtl="0"/>
-                      <a:r>
-                        <a:rPr lang="de-DE" noProof="0" dirty="0"/>
-                        <a:t>Prozentsatz (%)</a:t>
-                      </a:r>
-                    </a:p>
-                  </a:txBody>
-                  <a:tcPr anchor="ctr"/>
-                </a:tc>
-                <a:tc>
-                  <a:txBody>
-                    <a:bodyPr/>
-                    <a:lstStyle>
-                      <a:defPPr>
-                        <a:defRPr lang="de-DE"/>
-                      </a:defPPr>
-                    </a:lstStyle>
-                    <a:p>
-                      <a:pPr algn="ctr" rtl="0"/>
-                      <a:r>
-                        <a:rPr lang="de-DE" noProof="0" dirty="0"/>
-                        <a:t>90</a:t>
-                      </a:r>
-                    </a:p>
-                  </a:txBody>
-                  <a:tcPr anchor="ctr"/>
-                </a:tc>
-                <a:tc>
-                  <a:txBody>
-                    <a:bodyPr/>
-                    <a:lstStyle>
-                      <a:defPPr>
-                        <a:defRPr lang="de-DE"/>
-                      </a:defPPr>
-                    </a:lstStyle>
-                    <a:p>
-                      <a:pPr algn="ctr" rtl="0"/>
-                      <a:r>
-                        <a:rPr lang="de-DE" noProof="0" dirty="0"/>
-                        <a:t>95</a:t>
-                      </a:r>
-                    </a:p>
-                  </a:txBody>
-                  <a:tcPr anchor="ctr"/>
-                </a:tc>
-                <a:extLst>
-                  <a:ext uri="{0D108BD9-81ED-4DB2-BD59-A6C34878D82A}">
-                    <a16:rowId xmlns:a16="http://schemas.microsoft.com/office/drawing/2014/main" val="3591840781"/>
-                  </a:ext>
-                </a:extLst>
-              </a:tr>
-              <a:tr h="1199344">
-                <a:tc>
-                  <a:txBody>
-                    <a:bodyPr/>
-                    <a:lstStyle>
-                      <a:defPPr>
-                        <a:defRPr lang="de-DE"/>
-                      </a:defPPr>
-                    </a:lstStyle>
-                    <a:p>
-                      <a:pPr algn="ctr" rtl="0"/>
-                      <a:r>
-                        <a:rPr lang="de-DE" noProof="0" dirty="0"/>
-                        <a:t>Rate der Informations-speicherung</a:t>
-                      </a:r>
-                    </a:p>
-                  </a:txBody>
-                  <a:tcPr anchor="ctr"/>
-                </a:tc>
-                <a:tc>
-                  <a:txBody>
-                    <a:bodyPr/>
-                    <a:lstStyle>
-                      <a:defPPr>
-                        <a:defRPr lang="de-DE"/>
-                      </a:defPPr>
-                    </a:lstStyle>
-                    <a:p>
-                      <a:pPr algn="ctr" rtl="0"/>
-                      <a:r>
-                        <a:rPr lang="de-DE" noProof="0" dirty="0"/>
-                        <a:t>Prozentsatz (%)</a:t>
-                      </a:r>
-                    </a:p>
-                  </a:txBody>
-                  <a:tcPr anchor="ctr"/>
-                </a:tc>
-                <a:tc>
-                  <a:txBody>
-                    <a:bodyPr/>
-                    <a:lstStyle>
-                      <a:defPPr>
-                        <a:defRPr lang="de-DE"/>
-                      </a:defPPr>
-                    </a:lstStyle>
-                    <a:p>
-                      <a:pPr algn="ctr" rtl="0"/>
-                      <a:r>
-                        <a:rPr lang="de-DE" noProof="0" dirty="0"/>
-                        <a:t>80</a:t>
-                      </a:r>
-                    </a:p>
-                  </a:txBody>
-                  <a:tcPr anchor="ctr"/>
-                </a:tc>
-                <a:tc>
-                  <a:txBody>
-                    <a:bodyPr/>
-                    <a:lstStyle>
-                      <a:defPPr>
-                        <a:defRPr lang="de-DE"/>
-                      </a:defPPr>
-                    </a:lstStyle>
-                    <a:p>
-                      <a:pPr algn="ctr" rtl="0"/>
-                      <a:r>
-                        <a:rPr lang="de-DE" noProof="0" dirty="0"/>
-                        <a:t>85</a:t>
-                      </a:r>
-                    </a:p>
-                  </a:txBody>
-                  <a:tcPr anchor="ctr"/>
-                </a:tc>
-                <a:extLst>
-                  <a:ext uri="{0D108BD9-81ED-4DB2-BD59-A6C34878D82A}">
-                    <a16:rowId xmlns:a16="http://schemas.microsoft.com/office/drawing/2014/main" val="335389741"/>
-                  </a:ext>
-                </a:extLst>
-              </a:tr>
-            </a:tbl>
-          </a:graphicData>
-        </a:graphic>
-      </p:graphicFrame>
-      <p:sp>
-        <p:nvSpPr>
-          <p:cNvPr id="5" name="Foliennummernplatzhalter 4">
-            <a:extLst>
-              <a:ext uri="{FF2B5EF4-FFF2-40B4-BE49-F238E27FC236}">
-                <a16:creationId xmlns:a16="http://schemas.microsoft.com/office/drawing/2014/main" id="{E74B0ADB-527F-A58C-9372-D8502ED6F918}"/>
-              </a:ext>
-            </a:extLst>
-          </p:cNvPr>
-          <p:cNvSpPr>
-            <a:spLocks noGrp="1"/>
-          </p:cNvSpPr>
-          <p:nvPr>
             <p:ph type="sldNum" sz="quarter" idx="12"/>
           </p:nvPr>
         </p:nvSpPr>
         <p:spPr>
           <a:xfrm>
-            <a:off x="10373350" y="6356349"/>
-            <a:ext cx="987552" cy="365125"/>
+            <a:off x="8610600" y="6356350"/>
+            <a:ext cx="2743200" cy="365125"/>
           </a:xfrm>
         </p:spPr>
         <p:txBody>
@@ -10576,7 +9383,7 @@
     </p:spTree>
     <p:extLst>
       <p:ext uri="{BB962C8B-B14F-4D97-AF65-F5344CB8AC3E}">
-        <p14:creationId xmlns:p14="http://schemas.microsoft.com/office/powerpoint/2010/main" val="1658164610"/>
+        <p14:creationId xmlns:p14="http://schemas.microsoft.com/office/powerpoint/2010/main" val="2403577982"/>
       </p:ext>
     </p:extLst>
   </p:cSld>
@@ -10605,10 +9412,63 @@
       </p:grpSpPr>
       <p:sp>
         <p:nvSpPr>
-          <p:cNvPr id="17" name="Titel 1">
-            <a:extLst>
-              <a:ext uri="{FF2B5EF4-FFF2-40B4-BE49-F238E27FC236}">
-                <a16:creationId xmlns:a16="http://schemas.microsoft.com/office/drawing/2014/main" id="{09140014-73D5-419B-8867-972BB18D52D4}"/>
+          <p:cNvPr id="4" name="Rechteck 3">
+            <a:extLst>
+              <a:ext uri="{FF2B5EF4-FFF2-40B4-BE49-F238E27FC236}">
+                <a16:creationId xmlns:a16="http://schemas.microsoft.com/office/drawing/2014/main" id="{0868F7FA-82F4-EA3B-DB4D-8FBA83BE9D65}"/>
+              </a:ext>
+            </a:extLst>
+          </p:cNvPr>
+          <p:cNvSpPr>
+            <a:spLocks noGrp="1" noRot="1" noMove="1" noResize="1" noEditPoints="1" noAdjustHandles="1" noChangeArrowheads="1" noChangeShapeType="1"/>
+          </p:cNvSpPr>
+          <p:nvPr/>
+        </p:nvSpPr>
+        <p:spPr>
+          <a:xfrm>
+            <a:off x="0" y="0"/>
+            <a:ext cx="12192000" cy="6858000"/>
+          </a:xfrm>
+          <a:prstGeom prst="rect">
+            <a:avLst/>
+          </a:prstGeom>
+          <a:solidFill>
+            <a:schemeClr val="accent1">
+              <a:alpha val="14000"/>
+            </a:schemeClr>
+          </a:solidFill>
+        </p:spPr>
+        <p:style>
+          <a:lnRef idx="2">
+            <a:schemeClr val="accent1">
+              <a:shade val="15000"/>
+            </a:schemeClr>
+          </a:lnRef>
+          <a:fillRef idx="1">
+            <a:schemeClr val="accent1"/>
+          </a:fillRef>
+          <a:effectRef idx="0">
+            <a:schemeClr val="accent1"/>
+          </a:effectRef>
+          <a:fontRef idx="minor">
+            <a:schemeClr val="lt1"/>
+          </a:fontRef>
+        </p:style>
+        <p:txBody>
+          <a:bodyPr rtlCol="0" anchor="ctr"/>
+          <a:lstStyle/>
+          <a:p>
+            <a:pPr algn="ctr"/>
+            <a:endParaRPr lang="LID4096"/>
+          </a:p>
+        </p:txBody>
+      </p:sp>
+      <p:sp>
+        <p:nvSpPr>
+          <p:cNvPr id="2" name="Titel 1">
+            <a:extLst>
+              <a:ext uri="{FF2B5EF4-FFF2-40B4-BE49-F238E27FC236}">
+                <a16:creationId xmlns:a16="http://schemas.microsoft.com/office/drawing/2014/main" id="{8BDF1EDE-5423-435C-B149-87AB1BC22B83}"/>
               </a:ext>
             </a:extLst>
           </p:cNvPr>
@@ -10616,17 +9476,17 @@
             <a:spLocks noGrp="1"/>
           </p:cNvSpPr>
           <p:nvPr>
-            <p:ph type="title"/>
-          </p:nvPr>
-        </p:nvSpPr>
-        <p:spPr>
-          <a:xfrm>
-            <a:off x="838201" y="337192"/>
-            <a:ext cx="5133392" cy="1997867"/>
-          </a:xfrm>
-        </p:spPr>
-        <p:txBody>
-          <a:bodyPr rtlCol="0" anchor="b"/>
+            <p:ph type="ctrTitle"/>
+          </p:nvPr>
+        </p:nvSpPr>
+        <p:spPr>
+          <a:xfrm>
+            <a:off x="4267200" y="1615736"/>
+            <a:ext cx="4179570" cy="1524735"/>
+          </a:xfrm>
+        </p:spPr>
+        <p:txBody>
+          <a:bodyPr rtlCol="0"/>
           <a:lstStyle>
             <a:defPPr>
               <a:defRPr lang="de-DE"/>
@@ -10636,17 +9496,17 @@
             <a:pPr rtl="0"/>
             <a:r>
               <a:rPr lang="de-DE" dirty="0"/>
-              <a:t>Letzte Tipps und Erkenntnisse</a:t>
-            </a:r>
-          </a:p>
-        </p:txBody>
-      </p:sp>
-      <p:sp>
-        <p:nvSpPr>
-          <p:cNvPr id="6" name="Textplatzhalter 5">
-            <a:extLst>
-              <a:ext uri="{FF2B5EF4-FFF2-40B4-BE49-F238E27FC236}">
-                <a16:creationId xmlns:a16="http://schemas.microsoft.com/office/drawing/2014/main" id="{D2E1CF79-4FDC-8CAF-CC16-E309A2C49758}"/>
+              <a:t>VIELEN DANK!</a:t>
+            </a:r>
+          </a:p>
+        </p:txBody>
+      </p:sp>
+      <p:sp>
+        <p:nvSpPr>
+          <p:cNvPr id="3" name="Untertitel 2">
+            <a:extLst>
+              <a:ext uri="{FF2B5EF4-FFF2-40B4-BE49-F238E27FC236}">
+                <a16:creationId xmlns:a16="http://schemas.microsoft.com/office/drawing/2014/main" id="{AF64C29E-DF30-4DC6-AB95-2016F9A703B6}"/>
               </a:ext>
             </a:extLst>
           </p:cNvPr>
@@ -10654,17 +9514,19 @@
             <a:spLocks noGrp="1"/>
           </p:cNvSpPr>
           <p:nvPr>
-            <p:ph type="body" idx="1"/>
-          </p:nvPr>
-        </p:nvSpPr>
-        <p:spPr>
-          <a:xfrm>
-            <a:off x="838200" y="2705177"/>
-            <a:ext cx="5733772" cy="448990"/>
-          </a:xfrm>
-        </p:spPr>
-        <p:txBody>
-          <a:bodyPr rtlCol="0"/>
+            <p:ph type="subTitle" idx="1"/>
+          </p:nvPr>
+        </p:nvSpPr>
+        <p:spPr>
+          <a:xfrm>
+            <a:off x="9731828" y="5602182"/>
+            <a:ext cx="2366865" cy="1119293"/>
+          </a:xfrm>
+        </p:spPr>
+        <p:txBody>
+          <a:bodyPr rtlCol="0">
+            <a:noAutofit/>
+          </a:bodyPr>
           <a:lstStyle>
             <a:defPPr>
               <a:defRPr lang="de-DE"/>
@@ -10673,18 +9535,29 @@
           <a:p>
             <a:pPr rtl="0"/>
             <a:r>
+              <a:rPr lang="de-DE" sz="2000" dirty="0"/>
+              <a:t>Tom Neumann</a:t>
+            </a:r>
+          </a:p>
+          <a:p>
+            <a:pPr rtl="0">
+              <a:lnSpc>
+                <a:spcPct val="100000"/>
+              </a:lnSpc>
+            </a:pPr>
+            <a:r>
               <a:rPr lang="de-DE" dirty="0"/>
-              <a:t>Übung macht den Meister</a:t>
-            </a:r>
-          </a:p>
-        </p:txBody>
-      </p:sp>
-      <p:sp>
-        <p:nvSpPr>
-          <p:cNvPr id="20" name="Inhaltsplatzhalter 3">
-            <a:extLst>
-              <a:ext uri="{FF2B5EF4-FFF2-40B4-BE49-F238E27FC236}">
-                <a16:creationId xmlns:a16="http://schemas.microsoft.com/office/drawing/2014/main" id="{33D8731E-4977-402E-8BFD-895B4D0544CC}"/>
+              <a:t>Ahmet Zafer Karsag</a:t>
+            </a:r>
+          </a:p>
+        </p:txBody>
+      </p:sp>
+      <p:sp>
+        <p:nvSpPr>
+          <p:cNvPr id="6" name="Foliennummernplatzhalter 5">
+            <a:extLst>
+              <a:ext uri="{FF2B5EF4-FFF2-40B4-BE49-F238E27FC236}">
+                <a16:creationId xmlns:a16="http://schemas.microsoft.com/office/drawing/2014/main" id="{4C127D99-645F-4FCF-9573-FDFE2A344FA9}"/>
               </a:ext>
             </a:extLst>
           </p:cNvPr>
@@ -10692,212 +9565,13 @@
             <a:spLocks noGrp="1"/>
           </p:cNvSpPr>
           <p:nvPr>
-            <p:ph sz="half" idx="2"/>
-          </p:nvPr>
-        </p:nvSpPr>
-        <p:spPr>
-          <a:xfrm>
-            <a:off x="838199" y="3154166"/>
-            <a:ext cx="6878217" cy="3366642"/>
-          </a:xfrm>
-        </p:spPr>
-        <p:txBody>
-          <a:bodyPr rtlCol="0">
-            <a:noAutofit/>
-          </a:bodyPr>
-          <a:lstStyle>
-            <a:defPPr>
-              <a:defRPr lang="de-DE"/>
-            </a:defPPr>
-          </a:lstStyle>
-          <a:p>
-            <a:pPr rtl="0"/>
-            <a:r>
-              <a:rPr lang="de-DE" dirty="0"/>
-              <a:t>Konsequentes Üben</a:t>
-            </a:r>
-          </a:p>
-          <a:p>
-            <a:pPr lvl="1" rtl="0"/>
-            <a:r>
-              <a:rPr lang="de-DE" dirty="0"/>
-              <a:t>Stärken Ihrer Vertrautheit</a:t>
-            </a:r>
-          </a:p>
-          <a:p>
-            <a:pPr rtl="0"/>
-            <a:r>
-              <a:rPr lang="de-DE" dirty="0"/>
-              <a:t>Vortragsstil verfeinern</a:t>
-            </a:r>
-          </a:p>
-          <a:p>
-            <a:pPr lvl="1" rtl="0"/>
-            <a:r>
-              <a:rPr lang="de-DE" dirty="0"/>
-              <a:t>Tempo, Tonfall und Betonung</a:t>
-            </a:r>
-          </a:p>
-          <a:p>
-            <a:pPr rtl="0"/>
-            <a:r>
-              <a:rPr lang="de-DE" dirty="0"/>
-              <a:t>Timing und Übergänge</a:t>
-            </a:r>
-          </a:p>
-          <a:p>
-            <a:pPr lvl="1" rtl="0"/>
-            <a:r>
-              <a:rPr lang="de-DE" dirty="0"/>
-              <a:t>Streben Sie einen nahtlosen, professionellen Vortrag an.</a:t>
-            </a:r>
-          </a:p>
-          <a:p>
-            <a:pPr rtl="0"/>
-            <a:r>
-              <a:rPr lang="de-DE" dirty="0"/>
-              <a:t>Übungspublikum</a:t>
-            </a:r>
-          </a:p>
-          <a:p>
-            <a:pPr lvl="1" rtl="0"/>
-            <a:r>
-              <a:rPr lang="de-DE" dirty="0"/>
-              <a:t>Bitten Sie Ihre Kollegen, zuzuhören und Feedback zu geben.</a:t>
-            </a:r>
-          </a:p>
-          <a:p>
-            <a:pPr rtl="0"/>
-            <a:endParaRPr lang="de-DE" dirty="0"/>
-          </a:p>
-        </p:txBody>
-      </p:sp>
-      <p:sp>
-        <p:nvSpPr>
-          <p:cNvPr id="34" name="Textplatzhalter 33">
-            <a:extLst>
-              <a:ext uri="{FF2B5EF4-FFF2-40B4-BE49-F238E27FC236}">
-                <a16:creationId xmlns:a16="http://schemas.microsoft.com/office/drawing/2014/main" id="{AE07A905-8B37-D13F-25D3-1D3BCDB86B0B}"/>
-              </a:ext>
-            </a:extLst>
-          </p:cNvPr>
-          <p:cNvSpPr>
-            <a:spLocks noGrp="1"/>
-          </p:cNvSpPr>
-          <p:nvPr>
-            <p:ph type="body" sz="quarter" idx="3"/>
-          </p:nvPr>
-        </p:nvSpPr>
-        <p:spPr>
-          <a:xfrm>
-            <a:off x="7887108" y="2705177"/>
-            <a:ext cx="3943627" cy="448989"/>
-          </a:xfrm>
-        </p:spPr>
-        <p:txBody>
-          <a:bodyPr rtlCol="0"/>
-          <a:lstStyle>
-            <a:defPPr>
-              <a:defRPr lang="de-DE"/>
-            </a:defPPr>
-          </a:lstStyle>
-          <a:p>
-            <a:pPr rtl="0"/>
-            <a:r>
-              <a:rPr lang="de-DE" dirty="0"/>
-              <a:t>Weitere Verbesserung</a:t>
-            </a:r>
-          </a:p>
-        </p:txBody>
-      </p:sp>
-      <p:sp>
-        <p:nvSpPr>
-          <p:cNvPr id="35" name="Inhaltsplatzhalter 34">
-            <a:extLst>
-              <a:ext uri="{FF2B5EF4-FFF2-40B4-BE49-F238E27FC236}">
-                <a16:creationId xmlns:a16="http://schemas.microsoft.com/office/drawing/2014/main" id="{4E9A764F-6B65-050E-E561-82F77339D164}"/>
-              </a:ext>
-            </a:extLst>
-          </p:cNvPr>
-          <p:cNvSpPr>
-            <a:spLocks noGrp="1"/>
-          </p:cNvSpPr>
-          <p:nvPr>
-            <p:ph sz="half" idx="14"/>
-          </p:nvPr>
-        </p:nvSpPr>
-        <p:spPr>
-          <a:xfrm>
-            <a:off x="7887107" y="3164867"/>
-            <a:ext cx="3943627" cy="3032733"/>
-          </a:xfrm>
-        </p:spPr>
-        <p:txBody>
-          <a:bodyPr rtlCol="0">
-            <a:normAutofit/>
-          </a:bodyPr>
-          <a:lstStyle>
-            <a:defPPr>
-              <a:defRPr lang="de-DE"/>
-            </a:defPPr>
-          </a:lstStyle>
-          <a:p>
-            <a:pPr rtl="0"/>
-            <a:r>
-              <a:rPr lang="de-DE" dirty="0"/>
-              <a:t>Feedback einholen</a:t>
-            </a:r>
-          </a:p>
-          <a:p>
-            <a:pPr rtl="0"/>
-            <a:r>
-              <a:rPr lang="de-DE" dirty="0"/>
-              <a:t>Über Leistung nachdenken</a:t>
-            </a:r>
-          </a:p>
-          <a:p>
-            <a:pPr rtl="0"/>
-            <a:r>
-              <a:rPr lang="de-DE" dirty="0"/>
-              <a:t>Erkunden neuer Techniken</a:t>
-            </a:r>
-          </a:p>
-          <a:p>
-            <a:pPr rtl="0"/>
-            <a:r>
-              <a:rPr lang="de-DE" dirty="0"/>
-              <a:t>Persönliche Ziele festlegen</a:t>
-            </a:r>
-          </a:p>
-          <a:p>
-            <a:pPr rtl="0"/>
-            <a:r>
-              <a:rPr lang="de-DE" dirty="0"/>
-              <a:t>Wiederholen und Anpassen</a:t>
-            </a:r>
-          </a:p>
-        </p:txBody>
-      </p:sp>
-      <p:sp>
-        <p:nvSpPr>
-          <p:cNvPr id="9" name="Foliennummernplatzhalter 8">
-            <a:extLst>
-              <a:ext uri="{FF2B5EF4-FFF2-40B4-BE49-F238E27FC236}">
-                <a16:creationId xmlns:a16="http://schemas.microsoft.com/office/drawing/2014/main" id="{C396FFDC-ADE8-4009-A466-A81787258E88}"/>
-              </a:ext>
-            </a:extLst>
-          </p:cNvPr>
-          <p:cNvSpPr>
-            <a:spLocks noGrp="1"/>
-          </p:cNvSpPr>
-          <p:nvPr>
             <p:ph type="sldNum" sz="quarter" idx="12"/>
           </p:nvPr>
         </p:nvSpPr>
         <p:spPr>
           <a:xfrm>
-            <a:off x="8610600" y="6356350"/>
-            <a:ext cx="2743200" cy="365125"/>
+            <a:off x="9579428" y="6356350"/>
+            <a:ext cx="1774371" cy="365125"/>
           </a:xfrm>
         </p:spPr>
         <p:txBody>
@@ -10921,7 +9595,7 @@
     </p:spTree>
     <p:extLst>
       <p:ext uri="{BB962C8B-B14F-4D97-AF65-F5344CB8AC3E}">
-        <p14:creationId xmlns:p14="http://schemas.microsoft.com/office/powerpoint/2010/main" val="2403577982"/>
+        <p14:creationId xmlns:p14="http://schemas.microsoft.com/office/powerpoint/2010/main" val="1969787568"/>
       </p:ext>
     </p:extLst>
   </p:cSld>
@@ -11723,6 +10397,15 @@
 </file>
 
 <file path=customXml/item1.xml><?xml version="1.0" encoding="utf-8"?>
+<?mso-contentType ?>
+<FormTemplates xmlns="http://schemas.microsoft.com/sharepoint/v3/contenttype/forms">
+  <Display>DocumentLibraryForm</Display>
+  <Edit>DocumentLibraryForm</Edit>
+  <New>DocumentLibraryForm</New>
+</FormTemplates>
+</file>
+
+<file path=customXml/item2.xml><?xml version="1.0" encoding="utf-8"?>
 <ct:contentTypeSchema xmlns:ct="http://schemas.microsoft.com/office/2006/metadata/contentType" xmlns:ma="http://schemas.microsoft.com/office/2006/metadata/properties/metaAttributes" ct:_="" ma:_="" ma:contentTypeName="Document" ma:contentTypeID="0x01010079F111ED35F8CC479449609E8A0923A6" ma:contentTypeVersion="28" ma:contentTypeDescription="Create a new document." ma:contentTypeScope="" ma:versionID="60f5a4f2d2b0abadcf532d48ebf9cb71">
   <xsd:schema xmlns:xsd="http://www.w3.org/2001/XMLSchema" xmlns:xs="http://www.w3.org/2001/XMLSchema" xmlns:p="http://schemas.microsoft.com/office/2006/metadata/properties" xmlns:ns1="http://schemas.microsoft.com/sharepoint/v3" xmlns:ns2="71af3243-3dd4-4a8d-8c0d-dd76da1f02a5" xmlns:ns3="16c05727-aa75-4e4a-9b5f-8a80a1165891" xmlns:ns4="230e9df3-be65-4c73-a93b-d1236ebd677e" targetNamespace="http://schemas.microsoft.com/office/2006/metadata/properties" ma:root="true" ma:fieldsID="7dd78129e6a1811f84807ad11c651531" ns1:_="" ns2:_="" ns3:_="" ns4:_="">
     <xsd:import namespace="http://schemas.microsoft.com/sharepoint/v3"/>
@@ -12034,15 +10717,6 @@
 </ct:contentTypeSchema>
 </file>
 
-<file path=customXml/item2.xml><?xml version="1.0" encoding="utf-8"?>
-<?mso-contentType ?>
-<FormTemplates xmlns="http://schemas.microsoft.com/sharepoint/v3/contenttype/forms">
-  <Display>DocumentLibraryForm</Display>
-  <Edit>DocumentLibraryForm</Edit>
-  <New>DocumentLibraryForm</New>
-</FormTemplates>
-</file>
-
 <file path=customXml/item3.xml><?xml version="1.0" encoding="utf-8"?>
 <p:properties xmlns:p="http://schemas.microsoft.com/office/2006/metadata/properties" xmlns:xsi="http://www.w3.org/2001/XMLSchema-instance" xmlns:pc="http://schemas.microsoft.com/office/infopath/2007/PartnerControls">
   <documentManagement>
@@ -12064,6 +10738,14 @@
 </file>
 
 <file path=customXml/itemProps1.xml><?xml version="1.0" encoding="utf-8"?>
+<ds:datastoreItem xmlns:ds="http://schemas.openxmlformats.org/officeDocument/2006/customXml" ds:itemID="{CABF691C-888B-4061-8A6F-D5CE84A0254B}">
+  <ds:schemaRefs>
+    <ds:schemaRef ds:uri="http://schemas.microsoft.com/sharepoint/v3/contenttype/forms"/>
+  </ds:schemaRefs>
+</ds:datastoreItem>
+</file>
+
+<file path=customXml/itemProps2.xml><?xml version="1.0" encoding="utf-8"?>
 <ds:datastoreItem xmlns:ds="http://schemas.openxmlformats.org/officeDocument/2006/customXml" ds:itemID="{5EDE3176-A15D-46A3-BDDB-64A0D7363224}">
   <ds:schemaRefs>
     <ds:schemaRef ds:uri="http://schemas.microsoft.com/office/2006/metadata/contentType"/>
@@ -12084,14 +10766,6 @@
 </ds:datastoreItem>
 </file>
 
-<file path=customXml/itemProps2.xml><?xml version="1.0" encoding="utf-8"?>
-<ds:datastoreItem xmlns:ds="http://schemas.openxmlformats.org/officeDocument/2006/customXml" ds:itemID="{CABF691C-888B-4061-8A6F-D5CE84A0254B}">
-  <ds:schemaRefs>
-    <ds:schemaRef ds:uri="http://schemas.microsoft.com/sharepoint/v3/contenttype/forms"/>
-  </ds:schemaRefs>
-</ds:datastoreItem>
-</file>
-
 <file path=customXml/itemProps3.xml><?xml version="1.0" encoding="utf-8"?>
 <ds:datastoreItem xmlns:ds="http://schemas.openxmlformats.org/officeDocument/2006/customXml" ds:itemID="{49168DCE-134F-4610-A6AA-88CEBE8D71D2}">
   <ds:schemaRefs>
